--- a/prezentation/HSM.pptx
+++ b/prezentation/HSM.pptx
@@ -11,16 +11,9 @@
     <p:sldId id="266" r:id="rId5"/>
     <p:sldId id="261" r:id="rId6"/>
     <p:sldId id="269" r:id="rId7"/>
-    <p:sldId id="270" r:id="rId8"/>
-    <p:sldId id="272" r:id="rId9"/>
-    <p:sldId id="274" r:id="rId10"/>
-    <p:sldId id="275" r:id="rId11"/>
-    <p:sldId id="276" r:id="rId12"/>
-    <p:sldId id="280" r:id="rId13"/>
-    <p:sldId id="277" r:id="rId14"/>
-    <p:sldId id="281" r:id="rId15"/>
-    <p:sldId id="271" r:id="rId16"/>
-    <p:sldId id="279" r:id="rId17"/>
+    <p:sldId id="281" r:id="rId8"/>
+    <p:sldId id="271" r:id="rId9"/>
+    <p:sldId id="279" r:id="rId10"/>
   </p:sldIdLst>
   <p:sldSz cx="12192000" cy="6858000"/>
   <p:notesSz cx="6858000" cy="9144000"/>
@@ -3530,1186 +3523,6 @@
     </p:tnLst>
     <p:bldLst>
       <p:bldP spid="5" grpId="0"/>
-    </p:bldLst>
-  </p:timing>
-</p:sld>
-</file>
-
-<file path=ppt/slides/slide10.xml><?xml version="1.0" encoding="utf-8"?>
-<p:sld xmlns:a="http://schemas.openxmlformats.org/drawingml/2006/main" xmlns:r="http://schemas.openxmlformats.org/officeDocument/2006/relationships" xmlns:p="http://schemas.openxmlformats.org/presentationml/2006/main">
-  <p:cSld>
-    <p:spTree>
-      <p:nvGrpSpPr>
-        <p:cNvPr id="1" name=""/>
-        <p:cNvGrpSpPr/>
-        <p:nvPr/>
-      </p:nvGrpSpPr>
-      <p:grpSpPr>
-        <a:xfrm>
-          <a:off x="0" y="0"/>
-          <a:ext cx="0" cy="0"/>
-          <a:chOff x="0" y="0"/>
-          <a:chExt cx="0" cy="0"/>
-        </a:xfrm>
-      </p:grpSpPr>
-      <p:pic>
-        <p:nvPicPr>
-          <p:cNvPr id="2" name="Рисунок 1">
-            <a:extLst>
-              <a:ext uri="{FF2B5EF4-FFF2-40B4-BE49-F238E27FC236}">
-                <a16:creationId xmlns:a16="http://schemas.microsoft.com/office/drawing/2014/main" id="{B0F194A4-3681-45DE-950A-2475428A2A8D}"/>
-              </a:ext>
-            </a:extLst>
-          </p:cNvPr>
-          <p:cNvPicPr>
-            <a:picLocks noChangeAspect="1"/>
-          </p:cNvPicPr>
-          <p:nvPr/>
-        </p:nvPicPr>
-        <p:blipFill>
-          <a:blip r:embed="rId2"/>
-          <a:stretch>
-            <a:fillRect/>
-          </a:stretch>
-        </p:blipFill>
-        <p:spPr>
-          <a:xfrm>
-            <a:off x="0" y="768350"/>
-            <a:ext cx="12192000" cy="6089650"/>
-          </a:xfrm>
-          <a:prstGeom prst="rect">
-            <a:avLst/>
-          </a:prstGeom>
-        </p:spPr>
-      </p:pic>
-      <p:sp>
-        <p:nvSpPr>
-          <p:cNvPr id="3" name="Прямоугольник 2">
-            <a:extLst>
-              <a:ext uri="{FF2B5EF4-FFF2-40B4-BE49-F238E27FC236}">
-                <a16:creationId xmlns:a16="http://schemas.microsoft.com/office/drawing/2014/main" id="{3A75DA1F-C286-4EBC-9580-3C6368C76165}"/>
-              </a:ext>
-            </a:extLst>
-          </p:cNvPr>
-          <p:cNvSpPr/>
-          <p:nvPr/>
-        </p:nvSpPr>
-        <p:spPr>
-          <a:xfrm>
-            <a:off x="226503" y="192947"/>
-            <a:ext cx="8007320" cy="523220"/>
-          </a:xfrm>
-          <a:prstGeom prst="rect">
-            <a:avLst/>
-          </a:prstGeom>
-        </p:spPr>
-        <p:txBody>
-          <a:bodyPr wrap="none">
-            <a:spAutoFit/>
-          </a:bodyPr>
-          <a:lstStyle/>
-          <a:p>
-            <a:r>
-              <a:rPr lang="ru-RU" sz="2800" b="1" dirty="0">
-                <a:solidFill>
-                  <a:srgbClr val="007B8D"/>
-                </a:solidFill>
-                <a:latin typeface="Montserrat" panose="00000500000000000000" pitchFamily="2" charset="-52"/>
-              </a:rPr>
-              <a:t>Окно более детального обзора сервиса</a:t>
-            </a:r>
-          </a:p>
-        </p:txBody>
-      </p:sp>
-    </p:spTree>
-    <p:extLst>
-      <p:ext uri="{BB962C8B-B14F-4D97-AF65-F5344CB8AC3E}">
-        <p14:creationId xmlns:p14="http://schemas.microsoft.com/office/powerpoint/2010/main" val="3418333400"/>
-      </p:ext>
-    </p:extLst>
-  </p:cSld>
-  <p:clrMapOvr>
-    <a:masterClrMapping/>
-  </p:clrMapOvr>
-</p:sld>
-</file>
-
-<file path=ppt/slides/slide11.xml><?xml version="1.0" encoding="utf-8"?>
-<p:sld xmlns:a="http://schemas.openxmlformats.org/drawingml/2006/main" xmlns:r="http://schemas.openxmlformats.org/officeDocument/2006/relationships" xmlns:p="http://schemas.openxmlformats.org/presentationml/2006/main">
-  <p:cSld>
-    <p:spTree>
-      <p:nvGrpSpPr>
-        <p:cNvPr id="1" name=""/>
-        <p:cNvGrpSpPr/>
-        <p:nvPr/>
-      </p:nvGrpSpPr>
-      <p:grpSpPr>
-        <a:xfrm>
-          <a:off x="0" y="0"/>
-          <a:ext cx="0" cy="0"/>
-          <a:chOff x="0" y="0"/>
-          <a:chExt cx="0" cy="0"/>
-        </a:xfrm>
-      </p:grpSpPr>
-      <p:sp>
-        <p:nvSpPr>
-          <p:cNvPr id="2" name="Прямоугольник 1">
-            <a:extLst>
-              <a:ext uri="{FF2B5EF4-FFF2-40B4-BE49-F238E27FC236}">
-                <a16:creationId xmlns:a16="http://schemas.microsoft.com/office/drawing/2014/main" id="{FABC2569-08A7-47E5-9E11-989543C79174}"/>
-              </a:ext>
-            </a:extLst>
-          </p:cNvPr>
-          <p:cNvSpPr/>
-          <p:nvPr/>
-        </p:nvSpPr>
-        <p:spPr>
-          <a:xfrm>
-            <a:off x="226503" y="192947"/>
-            <a:ext cx="2811988" cy="523220"/>
-          </a:xfrm>
-          <a:prstGeom prst="rect">
-            <a:avLst/>
-          </a:prstGeom>
-        </p:spPr>
-        <p:txBody>
-          <a:bodyPr wrap="none">
-            <a:spAutoFit/>
-          </a:bodyPr>
-          <a:lstStyle/>
-          <a:p>
-            <a:r>
-              <a:rPr lang="ru-RU" sz="2800" b="1" dirty="0">
-                <a:solidFill>
-                  <a:srgbClr val="007B8D"/>
-                </a:solidFill>
-                <a:latin typeface="Montserrat" panose="00000500000000000000" pitchFamily="2" charset="-52"/>
-              </a:rPr>
-              <a:t>Мои сервисы</a:t>
-            </a:r>
-          </a:p>
-        </p:txBody>
-      </p:sp>
-    </p:spTree>
-    <p:extLst>
-      <p:ext uri="{BB962C8B-B14F-4D97-AF65-F5344CB8AC3E}">
-        <p14:creationId xmlns:p14="http://schemas.microsoft.com/office/powerpoint/2010/main" val="1597458001"/>
-      </p:ext>
-    </p:extLst>
-  </p:cSld>
-  <p:clrMapOvr>
-    <a:masterClrMapping/>
-  </p:clrMapOvr>
-</p:sld>
-</file>
-
-<file path=ppt/slides/slide12.xml><?xml version="1.0" encoding="utf-8"?>
-<p:sld xmlns:a="http://schemas.openxmlformats.org/drawingml/2006/main" xmlns:r="http://schemas.openxmlformats.org/officeDocument/2006/relationships" xmlns:p="http://schemas.openxmlformats.org/presentationml/2006/main">
-  <p:cSld>
-    <p:spTree>
-      <p:nvGrpSpPr>
-        <p:cNvPr id="1" name=""/>
-        <p:cNvGrpSpPr/>
-        <p:nvPr/>
-      </p:nvGrpSpPr>
-      <p:grpSpPr>
-        <a:xfrm>
-          <a:off x="0" y="0"/>
-          <a:ext cx="0" cy="0"/>
-          <a:chOff x="0" y="0"/>
-          <a:chExt cx="0" cy="0"/>
-        </a:xfrm>
-      </p:grpSpPr>
-      <p:sp>
-        <p:nvSpPr>
-          <p:cNvPr id="2" name="Прямоугольник 1">
-            <a:extLst>
-              <a:ext uri="{FF2B5EF4-FFF2-40B4-BE49-F238E27FC236}">
-                <a16:creationId xmlns:a16="http://schemas.microsoft.com/office/drawing/2014/main" id="{4D0C394C-76D4-4532-B087-7B19AA91E33C}"/>
-              </a:ext>
-            </a:extLst>
-          </p:cNvPr>
-          <p:cNvSpPr/>
-          <p:nvPr/>
-        </p:nvSpPr>
-        <p:spPr>
-          <a:xfrm>
-            <a:off x="226503" y="192947"/>
-            <a:ext cx="5311069" cy="523220"/>
-          </a:xfrm>
-          <a:prstGeom prst="rect">
-            <a:avLst/>
-          </a:prstGeom>
-        </p:spPr>
-        <p:txBody>
-          <a:bodyPr wrap="none">
-            <a:spAutoFit/>
-          </a:bodyPr>
-          <a:lstStyle/>
-          <a:p>
-            <a:r>
-              <a:rPr lang="ru-RU" sz="2800" b="1" dirty="0">
-                <a:solidFill>
-                  <a:srgbClr val="007B8D"/>
-                </a:solidFill>
-                <a:latin typeface="Montserrat" panose="00000500000000000000" pitchFamily="2" charset="-52"/>
-              </a:rPr>
-              <a:t>Удаление сервиса/заявки</a:t>
-            </a:r>
-          </a:p>
-        </p:txBody>
-      </p:sp>
-    </p:spTree>
-    <p:extLst>
-      <p:ext uri="{BB962C8B-B14F-4D97-AF65-F5344CB8AC3E}">
-        <p14:creationId xmlns:p14="http://schemas.microsoft.com/office/powerpoint/2010/main" val="1066753057"/>
-      </p:ext>
-    </p:extLst>
-  </p:cSld>
-  <p:clrMapOvr>
-    <a:masterClrMapping/>
-  </p:clrMapOvr>
-</p:sld>
-</file>
-
-<file path=ppt/slides/slide13.xml><?xml version="1.0" encoding="utf-8"?>
-<p:sld xmlns:a="http://schemas.openxmlformats.org/drawingml/2006/main" xmlns:r="http://schemas.openxmlformats.org/officeDocument/2006/relationships" xmlns:p="http://schemas.openxmlformats.org/presentationml/2006/main">
-  <p:cSld>
-    <p:spTree>
-      <p:nvGrpSpPr>
-        <p:cNvPr id="1" name=""/>
-        <p:cNvGrpSpPr/>
-        <p:nvPr/>
-      </p:nvGrpSpPr>
-      <p:grpSpPr>
-        <a:xfrm>
-          <a:off x="0" y="0"/>
-          <a:ext cx="0" cy="0"/>
-          <a:chOff x="0" y="0"/>
-          <a:chExt cx="0" cy="0"/>
-        </a:xfrm>
-      </p:grpSpPr>
-      <p:sp>
-        <p:nvSpPr>
-          <p:cNvPr id="2" name="Прямоугольник 1">
-            <a:extLst>
-              <a:ext uri="{FF2B5EF4-FFF2-40B4-BE49-F238E27FC236}">
-                <a16:creationId xmlns:a16="http://schemas.microsoft.com/office/drawing/2014/main" id="{28A88362-ACF8-4923-8FF9-E1936D1C3DFD}"/>
-              </a:ext>
-            </a:extLst>
-          </p:cNvPr>
-          <p:cNvSpPr/>
-          <p:nvPr/>
-        </p:nvSpPr>
-        <p:spPr>
-          <a:xfrm>
-            <a:off x="226503" y="192947"/>
-            <a:ext cx="3482043" cy="523220"/>
-          </a:xfrm>
-          <a:prstGeom prst="rect">
-            <a:avLst/>
-          </a:prstGeom>
-        </p:spPr>
-        <p:txBody>
-          <a:bodyPr wrap="none">
-            <a:spAutoFit/>
-          </a:bodyPr>
-          <a:lstStyle/>
-          <a:p>
-            <a:r>
-              <a:rPr lang="ru-RU" sz="2800" b="1" dirty="0">
-                <a:solidFill>
-                  <a:srgbClr val="007B8D"/>
-                </a:solidFill>
-                <a:latin typeface="Montserrat" panose="00000500000000000000" pitchFamily="2" charset="-52"/>
-              </a:rPr>
-              <a:t>Личный кабинет</a:t>
-            </a:r>
-          </a:p>
-        </p:txBody>
-      </p:sp>
-    </p:spTree>
-    <p:extLst>
-      <p:ext uri="{BB962C8B-B14F-4D97-AF65-F5344CB8AC3E}">
-        <p14:creationId xmlns:p14="http://schemas.microsoft.com/office/powerpoint/2010/main" val="2969973991"/>
-      </p:ext>
-    </p:extLst>
-  </p:cSld>
-  <p:clrMapOvr>
-    <a:masterClrMapping/>
-  </p:clrMapOvr>
-</p:sld>
-</file>
-
-<file path=ppt/slides/slide14.xml><?xml version="1.0" encoding="utf-8"?>
-<p:sld xmlns:a="http://schemas.openxmlformats.org/drawingml/2006/main" xmlns:r="http://schemas.openxmlformats.org/officeDocument/2006/relationships" xmlns:p="http://schemas.openxmlformats.org/presentationml/2006/main">
-  <p:cSld>
-    <p:spTree>
-      <p:nvGrpSpPr>
-        <p:cNvPr id="1" name=""/>
-        <p:cNvGrpSpPr/>
-        <p:nvPr/>
-      </p:nvGrpSpPr>
-      <p:grpSpPr>
-        <a:xfrm>
-          <a:off x="0" y="0"/>
-          <a:ext cx="0" cy="0"/>
-          <a:chOff x="0" y="0"/>
-          <a:chExt cx="0" cy="0"/>
-        </a:xfrm>
-      </p:grpSpPr>
-      <p:sp>
-        <p:nvSpPr>
-          <p:cNvPr id="2" name="Прямоугольник 1">
-            <a:extLst>
-              <a:ext uri="{FF2B5EF4-FFF2-40B4-BE49-F238E27FC236}">
-                <a16:creationId xmlns:a16="http://schemas.microsoft.com/office/drawing/2014/main" id="{28A88362-ACF8-4923-8FF9-E1936D1C3DFD}"/>
-              </a:ext>
-            </a:extLst>
-          </p:cNvPr>
-          <p:cNvSpPr/>
-          <p:nvPr/>
-        </p:nvSpPr>
-        <p:spPr>
-          <a:xfrm>
-            <a:off x="226503" y="192947"/>
-            <a:ext cx="2900153" cy="523220"/>
-          </a:xfrm>
-          <a:prstGeom prst="rect">
-            <a:avLst/>
-          </a:prstGeom>
-        </p:spPr>
-        <p:txBody>
-          <a:bodyPr wrap="none">
-            <a:spAutoFit/>
-          </a:bodyPr>
-          <a:lstStyle/>
-          <a:p>
-            <a:r>
-              <a:rPr lang="ru-RU" sz="2800" b="1" dirty="0">
-                <a:solidFill>
-                  <a:srgbClr val="007B8D"/>
-                </a:solidFill>
-                <a:latin typeface="Montserrat" panose="00000500000000000000" pitchFamily="2" charset="-52"/>
-              </a:rPr>
-              <a:t>Особенности</a:t>
-            </a:r>
-          </a:p>
-        </p:txBody>
-      </p:sp>
-      <p:sp>
-        <p:nvSpPr>
-          <p:cNvPr id="3" name="TextBox 2">
-            <a:extLst>
-              <a:ext uri="{FF2B5EF4-FFF2-40B4-BE49-F238E27FC236}">
-                <a16:creationId xmlns:a16="http://schemas.microsoft.com/office/drawing/2014/main" id="{D104C5BC-51F0-424C-A1A2-91F7C9CB5CE2}"/>
-              </a:ext>
-            </a:extLst>
-          </p:cNvPr>
-          <p:cNvSpPr txBox="1"/>
-          <p:nvPr/>
-        </p:nvSpPr>
-        <p:spPr>
-          <a:xfrm>
-            <a:off x="833140" y="1157096"/>
-            <a:ext cx="10525720" cy="4543808"/>
-          </a:xfrm>
-          <a:prstGeom prst="rect">
-            <a:avLst/>
-          </a:prstGeom>
-          <a:noFill/>
-        </p:spPr>
-        <p:txBody>
-          <a:bodyPr wrap="square" rtlCol="0">
-            <a:spAutoFit/>
-          </a:bodyPr>
-          <a:lstStyle/>
-          <a:p>
-            <a:pPr marL="457200" indent="-457200">
-              <a:lnSpc>
-                <a:spcPct val="150000"/>
-              </a:lnSpc>
-              <a:buFont typeface="Arial" panose="020B0604020202020204" pitchFamily="34" charset="0"/>
-              <a:buChar char="•"/>
-            </a:pPr>
-            <a:r>
-              <a:rPr lang="ru-RU" sz="2800" dirty="0">
-                <a:latin typeface="Montserrat" panose="00000500000000000000" pitchFamily="2" charset="-52"/>
-              </a:rPr>
-              <a:t>Собственное </a:t>
-            </a:r>
-            <a:r>
-              <a:rPr lang="en-US" sz="2800" dirty="0">
-                <a:latin typeface="Montserrat" panose="00000500000000000000" pitchFamily="2" charset="-52"/>
-              </a:rPr>
-              <a:t>API</a:t>
-            </a:r>
-            <a:endParaRPr lang="ru-RU" sz="2800" dirty="0">
-              <a:latin typeface="Montserrat" panose="00000500000000000000" pitchFamily="2" charset="-52"/>
-            </a:endParaRPr>
-          </a:p>
-          <a:p>
-            <a:pPr marL="457200" indent="-457200">
-              <a:lnSpc>
-                <a:spcPct val="150000"/>
-              </a:lnSpc>
-              <a:buFont typeface="Arial" panose="020B0604020202020204" pitchFamily="34" charset="0"/>
-              <a:buChar char="•"/>
-            </a:pPr>
-            <a:r>
-              <a:rPr lang="en-US" sz="2800" dirty="0">
-                <a:latin typeface="Montserrat" panose="00000500000000000000" pitchFamily="2" charset="-52"/>
-              </a:rPr>
-              <a:t>Android </a:t>
-            </a:r>
-            <a:r>
-              <a:rPr lang="ru-RU" sz="2800" dirty="0">
-                <a:latin typeface="Montserrat" panose="00000500000000000000" pitchFamily="2" charset="-52"/>
-              </a:rPr>
-              <a:t>приложение (и неважно что мы не успели его доделать)</a:t>
-            </a:r>
-          </a:p>
-          <a:p>
-            <a:pPr marL="457200" indent="-457200">
-              <a:lnSpc>
-                <a:spcPct val="150000"/>
-              </a:lnSpc>
-              <a:buFont typeface="Arial" panose="020B0604020202020204" pitchFamily="34" charset="0"/>
-              <a:buChar char="•"/>
-            </a:pPr>
-            <a:r>
-              <a:rPr lang="ru-RU" sz="2800" dirty="0">
-                <a:latin typeface="Montserrat" panose="00000500000000000000" pitchFamily="2" charset="-52"/>
-              </a:rPr>
-              <a:t>Самый точный поиск дубликатов</a:t>
-            </a:r>
-          </a:p>
-          <a:p>
-            <a:pPr marL="457200" indent="-457200">
-              <a:lnSpc>
-                <a:spcPct val="150000"/>
-              </a:lnSpc>
-              <a:buFont typeface="Arial" panose="020B0604020202020204" pitchFamily="34" charset="0"/>
-              <a:buChar char="•"/>
-            </a:pPr>
-            <a:r>
-              <a:rPr lang="ru-RU" sz="2800" dirty="0">
-                <a:latin typeface="Montserrat" panose="00000500000000000000" pitchFamily="2" charset="-52"/>
-              </a:rPr>
-              <a:t>Система тэгов</a:t>
-            </a:r>
-          </a:p>
-          <a:p>
-            <a:pPr marL="457200" indent="-457200">
-              <a:lnSpc>
-                <a:spcPct val="150000"/>
-              </a:lnSpc>
-              <a:buFont typeface="Arial" panose="020B0604020202020204" pitchFamily="34" charset="0"/>
-              <a:buChar char="•"/>
-            </a:pPr>
-            <a:r>
-              <a:rPr lang="en-US" sz="2800" dirty="0">
-                <a:latin typeface="Montserrat" panose="00000500000000000000" pitchFamily="2" charset="-52"/>
-              </a:rPr>
-              <a:t>User-Friendly </a:t>
-            </a:r>
-            <a:r>
-              <a:rPr lang="ru-RU" sz="2800">
-                <a:latin typeface="Montserrat" panose="00000500000000000000" pitchFamily="2" charset="-52"/>
-              </a:rPr>
-              <a:t>интерфейс</a:t>
-            </a:r>
-            <a:endParaRPr lang="ru-RU" sz="2800" dirty="0">
-              <a:latin typeface="Montserrat" panose="00000500000000000000" pitchFamily="2" charset="-52"/>
-            </a:endParaRPr>
-          </a:p>
-          <a:p>
-            <a:pPr marL="457200" indent="-457200">
-              <a:lnSpc>
-                <a:spcPct val="150000"/>
-              </a:lnSpc>
-              <a:buFont typeface="Arial" panose="020B0604020202020204" pitchFamily="34" charset="0"/>
-              <a:buChar char="•"/>
-            </a:pPr>
-            <a:r>
-              <a:rPr lang="ru-RU" sz="2800" dirty="0">
-                <a:latin typeface="Montserrat" panose="00000500000000000000" pitchFamily="2" charset="-52"/>
-              </a:rPr>
-              <a:t>Высокое быстродействие системы</a:t>
-            </a:r>
-          </a:p>
-        </p:txBody>
-      </p:sp>
-    </p:spTree>
-    <p:extLst>
-      <p:ext uri="{BB962C8B-B14F-4D97-AF65-F5344CB8AC3E}">
-        <p14:creationId xmlns:p14="http://schemas.microsoft.com/office/powerpoint/2010/main" val="2748134417"/>
-      </p:ext>
-    </p:extLst>
-  </p:cSld>
-  <p:clrMapOvr>
-    <a:masterClrMapping/>
-  </p:clrMapOvr>
-  <p:timing>
-    <p:tnLst>
-      <p:par>
-        <p:cTn id="1" dur="indefinite" restart="never" nodeType="tmRoot">
-          <p:childTnLst>
-            <p:seq concurrent="1" nextAc="seek">
-              <p:cTn id="2" dur="indefinite" nodeType="mainSeq">
-                <p:childTnLst>
-                  <p:par>
-                    <p:cTn id="3" fill="hold">
-                      <p:stCondLst>
-                        <p:cond delay="indefinite"/>
-                        <p:cond evt="onBegin" delay="0">
-                          <p:tn val="2"/>
-                        </p:cond>
-                      </p:stCondLst>
-                      <p:childTnLst>
-                        <p:par>
-                          <p:cTn id="4" fill="hold">
-                            <p:stCondLst>
-                              <p:cond delay="0"/>
-                            </p:stCondLst>
-                            <p:childTnLst>
-                              <p:par>
-                                <p:cTn id="5" presetID="10" presetClass="entr" presetSubtype="0" fill="hold" grpId="0" nodeType="afterEffect">
-                                  <p:stCondLst>
-                                    <p:cond delay="0"/>
-                                  </p:stCondLst>
-                                  <p:childTnLst>
-                                    <p:set>
-                                      <p:cBhvr>
-                                        <p:cTn id="6" dur="1" fill="hold">
-                                          <p:stCondLst>
-                                            <p:cond delay="0"/>
-                                          </p:stCondLst>
-                                        </p:cTn>
-                                        <p:tgtEl>
-                                          <p:spTgt spid="3"/>
-                                        </p:tgtEl>
-                                        <p:attrNameLst>
-                                          <p:attrName>style.visibility</p:attrName>
-                                        </p:attrNameLst>
-                                      </p:cBhvr>
-                                      <p:to>
-                                        <p:strVal val="visible"/>
-                                      </p:to>
-                                    </p:set>
-                                    <p:animEffect transition="in" filter="fade">
-                                      <p:cBhvr>
-                                        <p:cTn id="7" dur="1000"/>
-                                        <p:tgtEl>
-                                          <p:spTgt spid="3"/>
-                                        </p:tgtEl>
-                                      </p:cBhvr>
-                                    </p:animEffect>
-                                  </p:childTnLst>
-                                </p:cTn>
-                              </p:par>
-                            </p:childTnLst>
-                          </p:cTn>
-                        </p:par>
-                      </p:childTnLst>
-                    </p:cTn>
-                  </p:par>
-                </p:childTnLst>
-              </p:cTn>
-              <p:prevCondLst>
-                <p:cond evt="onPrev" delay="0">
-                  <p:tgtEl>
-                    <p:sldTgt/>
-                  </p:tgtEl>
-                </p:cond>
-              </p:prevCondLst>
-              <p:nextCondLst>
-                <p:cond evt="onNext" delay="0">
-                  <p:tgtEl>
-                    <p:sldTgt/>
-                  </p:tgtEl>
-                </p:cond>
-              </p:nextCondLst>
-            </p:seq>
-          </p:childTnLst>
-        </p:cTn>
-      </p:par>
-    </p:tnLst>
-    <p:bldLst>
-      <p:bldP spid="3" grpId="0"/>
-    </p:bldLst>
-  </p:timing>
-</p:sld>
-</file>
-
-<file path=ppt/slides/slide15.xml><?xml version="1.0" encoding="utf-8"?>
-<p:sld xmlns:a="http://schemas.openxmlformats.org/drawingml/2006/main" xmlns:r="http://schemas.openxmlformats.org/officeDocument/2006/relationships" xmlns:p="http://schemas.openxmlformats.org/presentationml/2006/main">
-  <p:cSld>
-    <p:spTree>
-      <p:nvGrpSpPr>
-        <p:cNvPr id="1" name=""/>
-        <p:cNvGrpSpPr/>
-        <p:nvPr/>
-      </p:nvGrpSpPr>
-      <p:grpSpPr>
-        <a:xfrm>
-          <a:off x="0" y="0"/>
-          <a:ext cx="0" cy="0"/>
-          <a:chOff x="0" y="0"/>
-          <a:chExt cx="0" cy="0"/>
-        </a:xfrm>
-      </p:grpSpPr>
-      <p:sp>
-        <p:nvSpPr>
-          <p:cNvPr id="5" name="Прямоугольник 4">
-            <a:extLst>
-              <a:ext uri="{FF2B5EF4-FFF2-40B4-BE49-F238E27FC236}">
-                <a16:creationId xmlns:a16="http://schemas.microsoft.com/office/drawing/2014/main" id="{85C50EFA-6068-4DD2-80D6-52BD2432776D}"/>
-              </a:ext>
-            </a:extLst>
-          </p:cNvPr>
-          <p:cNvSpPr/>
-          <p:nvPr/>
-        </p:nvSpPr>
-        <p:spPr>
-          <a:xfrm>
-            <a:off x="226503" y="192947"/>
-            <a:ext cx="9264075" cy="646331"/>
-          </a:xfrm>
-          <a:prstGeom prst="rect">
-            <a:avLst/>
-          </a:prstGeom>
-        </p:spPr>
-        <p:txBody>
-          <a:bodyPr wrap="none">
-            <a:spAutoFit/>
-          </a:bodyPr>
-          <a:lstStyle/>
-          <a:p>
-            <a:r>
-              <a:rPr lang="ru-RU" sz="3600" b="1" dirty="0">
-                <a:solidFill>
-                  <a:srgbClr val="007B8D"/>
-                </a:solidFill>
-                <a:latin typeface="Montserrat" panose="00000500000000000000" pitchFamily="2" charset="-52"/>
-              </a:rPr>
-              <a:t>Как HSM экономит время и деньги?</a:t>
-            </a:r>
-          </a:p>
-        </p:txBody>
-      </p:sp>
-      <p:sp>
-        <p:nvSpPr>
-          <p:cNvPr id="6" name="TextBox 5">
-            <a:extLst>
-              <a:ext uri="{FF2B5EF4-FFF2-40B4-BE49-F238E27FC236}">
-                <a16:creationId xmlns:a16="http://schemas.microsoft.com/office/drawing/2014/main" id="{001DA07C-9EBE-44D9-8330-A980E380668E}"/>
-              </a:ext>
-            </a:extLst>
-          </p:cNvPr>
-          <p:cNvSpPr txBox="1"/>
-          <p:nvPr/>
-        </p:nvSpPr>
-        <p:spPr>
-          <a:xfrm>
-            <a:off x="791029" y="2126592"/>
-            <a:ext cx="10609942" cy="3251146"/>
-          </a:xfrm>
-          <a:prstGeom prst="rect">
-            <a:avLst/>
-          </a:prstGeom>
-          <a:noFill/>
-        </p:spPr>
-        <p:txBody>
-          <a:bodyPr wrap="square" rtlCol="0">
-            <a:spAutoFit/>
-          </a:bodyPr>
-          <a:lstStyle/>
-          <a:p>
-            <a:pPr marL="342900" indent="-342900">
-              <a:lnSpc>
-                <a:spcPct val="150000"/>
-              </a:lnSpc>
-              <a:buAutoNum type="arabicPeriod"/>
-            </a:pPr>
-            <a:r>
-              <a:rPr lang="ru-RU" sz="2800" dirty="0">
-                <a:latin typeface="Montserrat" panose="00000500000000000000" pitchFamily="2" charset="-52"/>
-              </a:rPr>
-              <a:t> Не нужно тратить ресурсы на разработку одного и того же модуля.</a:t>
-            </a:r>
-          </a:p>
-          <a:p>
-            <a:pPr marL="342900" indent="-342900">
-              <a:lnSpc>
-                <a:spcPct val="150000"/>
-              </a:lnSpc>
-              <a:buAutoNum type="arabicPeriod"/>
-            </a:pPr>
-            <a:r>
-              <a:rPr lang="ru-RU" sz="2800" dirty="0">
-                <a:latin typeface="Montserrat" panose="00000500000000000000" pitchFamily="2" charset="-52"/>
-              </a:rPr>
-              <a:t> </a:t>
-            </a:r>
-            <a:r>
-              <a:rPr lang="ru-RU" sz="2800" dirty="0" err="1">
-                <a:latin typeface="Montserrat" panose="00000500000000000000" pitchFamily="2" charset="-52"/>
-              </a:rPr>
-              <a:t>Независсимость</a:t>
-            </a:r>
-            <a:r>
-              <a:rPr lang="ru-RU" sz="2800" dirty="0">
-                <a:latin typeface="Montserrat" panose="00000500000000000000" pitchFamily="2" charset="-52"/>
-              </a:rPr>
-              <a:t>.</a:t>
-            </a:r>
-          </a:p>
-          <a:p>
-            <a:pPr marL="342900" indent="-342900">
-              <a:lnSpc>
-                <a:spcPct val="150000"/>
-              </a:lnSpc>
-              <a:buAutoNum type="arabicPeriod"/>
-            </a:pPr>
-            <a:r>
-              <a:rPr lang="ru-RU" sz="2800" dirty="0">
-                <a:latin typeface="Montserrat" panose="00000500000000000000" pitchFamily="2" charset="-52"/>
-              </a:rPr>
-              <a:t> Доработка не требует полной остановки работы сайта.</a:t>
-            </a:r>
-          </a:p>
-        </p:txBody>
-      </p:sp>
-    </p:spTree>
-    <p:extLst>
-      <p:ext uri="{BB962C8B-B14F-4D97-AF65-F5344CB8AC3E}">
-        <p14:creationId xmlns:p14="http://schemas.microsoft.com/office/powerpoint/2010/main" val="868745500"/>
-      </p:ext>
-    </p:extLst>
-  </p:cSld>
-  <p:clrMapOvr>
-    <a:masterClrMapping/>
-  </p:clrMapOvr>
-  <p:timing>
-    <p:tnLst>
-      <p:par>
-        <p:cTn id="1" dur="indefinite" restart="never" nodeType="tmRoot">
-          <p:childTnLst>
-            <p:seq concurrent="1" nextAc="seek">
-              <p:cTn id="2" dur="indefinite" nodeType="mainSeq">
-                <p:childTnLst>
-                  <p:par>
-                    <p:cTn id="3" fill="hold">
-                      <p:stCondLst>
-                        <p:cond delay="indefinite"/>
-                        <p:cond evt="onBegin" delay="0">
-                          <p:tn val="2"/>
-                        </p:cond>
-                      </p:stCondLst>
-                      <p:childTnLst>
-                        <p:par>
-                          <p:cTn id="4" fill="hold">
-                            <p:stCondLst>
-                              <p:cond delay="0"/>
-                            </p:stCondLst>
-                            <p:childTnLst>
-                              <p:par>
-                                <p:cTn id="5" presetID="10" presetClass="entr" presetSubtype="0" fill="hold" grpId="0" nodeType="afterEffect">
-                                  <p:stCondLst>
-                                    <p:cond delay="0"/>
-                                  </p:stCondLst>
-                                  <p:childTnLst>
-                                    <p:set>
-                                      <p:cBhvr>
-                                        <p:cTn id="6" dur="1" fill="hold">
-                                          <p:stCondLst>
-                                            <p:cond delay="0"/>
-                                          </p:stCondLst>
-                                        </p:cTn>
-                                        <p:tgtEl>
-                                          <p:spTgt spid="6"/>
-                                        </p:tgtEl>
-                                        <p:attrNameLst>
-                                          <p:attrName>style.visibility</p:attrName>
-                                        </p:attrNameLst>
-                                      </p:cBhvr>
-                                      <p:to>
-                                        <p:strVal val="visible"/>
-                                      </p:to>
-                                    </p:set>
-                                    <p:animEffect transition="in" filter="fade">
-                                      <p:cBhvr>
-                                        <p:cTn id="7" dur="1000"/>
-                                        <p:tgtEl>
-                                          <p:spTgt spid="6"/>
-                                        </p:tgtEl>
-                                      </p:cBhvr>
-                                    </p:animEffect>
-                                  </p:childTnLst>
-                                </p:cTn>
-                              </p:par>
-                            </p:childTnLst>
-                          </p:cTn>
-                        </p:par>
-                      </p:childTnLst>
-                    </p:cTn>
-                  </p:par>
-                </p:childTnLst>
-              </p:cTn>
-              <p:prevCondLst>
-                <p:cond evt="onPrev" delay="0">
-                  <p:tgtEl>
-                    <p:sldTgt/>
-                  </p:tgtEl>
-                </p:cond>
-              </p:prevCondLst>
-              <p:nextCondLst>
-                <p:cond evt="onNext" delay="0">
-                  <p:tgtEl>
-                    <p:sldTgt/>
-                  </p:tgtEl>
-                </p:cond>
-              </p:nextCondLst>
-            </p:seq>
-          </p:childTnLst>
-        </p:cTn>
-      </p:par>
-    </p:tnLst>
-    <p:bldLst>
-      <p:bldP spid="6" grpId="0"/>
-    </p:bldLst>
-  </p:timing>
-</p:sld>
-</file>
-
-<file path=ppt/slides/slide16.xml><?xml version="1.0" encoding="utf-8"?>
-<p:sld xmlns:a="http://schemas.openxmlformats.org/drawingml/2006/main" xmlns:r="http://schemas.openxmlformats.org/officeDocument/2006/relationships" xmlns:p="http://schemas.openxmlformats.org/presentationml/2006/main">
-  <p:cSld>
-    <p:spTree>
-      <p:nvGrpSpPr>
-        <p:cNvPr id="1" name=""/>
-        <p:cNvGrpSpPr/>
-        <p:nvPr/>
-      </p:nvGrpSpPr>
-      <p:grpSpPr>
-        <a:xfrm>
-          <a:off x="0" y="0"/>
-          <a:ext cx="0" cy="0"/>
-          <a:chOff x="0" y="0"/>
-          <a:chExt cx="0" cy="0"/>
-        </a:xfrm>
-      </p:grpSpPr>
-      <p:sp>
-        <p:nvSpPr>
-          <p:cNvPr id="2" name="Прямоугольник 1">
-            <a:extLst>
-              <a:ext uri="{FF2B5EF4-FFF2-40B4-BE49-F238E27FC236}">
-                <a16:creationId xmlns:a16="http://schemas.microsoft.com/office/drawing/2014/main" id="{B7BC2FF6-50BB-42B7-A1D7-283840AEDEC8}"/>
-              </a:ext>
-            </a:extLst>
-          </p:cNvPr>
-          <p:cNvSpPr/>
-          <p:nvPr/>
-        </p:nvSpPr>
-        <p:spPr>
-          <a:xfrm>
-            <a:off x="226503" y="192947"/>
-            <a:ext cx="11482897" cy="1200329"/>
-          </a:xfrm>
-          <a:prstGeom prst="rect">
-            <a:avLst/>
-          </a:prstGeom>
-        </p:spPr>
-        <p:txBody>
-          <a:bodyPr wrap="square">
-            <a:spAutoFit/>
-          </a:bodyPr>
-          <a:lstStyle/>
-          <a:p>
-            <a:r>
-              <a:rPr lang="ru-RU" sz="3600" b="1" dirty="0">
-                <a:solidFill>
-                  <a:srgbClr val="007B8D"/>
-                </a:solidFill>
-                <a:latin typeface="Montserrat" panose="00000500000000000000" pitchFamily="2" charset="-52"/>
-              </a:rPr>
-              <a:t>Над проектом работала команда </a:t>
-            </a:r>
-            <a:r>
-              <a:rPr lang="en-US" sz="3600" b="1" dirty="0">
-                <a:solidFill>
-                  <a:srgbClr val="007B8D"/>
-                </a:solidFill>
-                <a:latin typeface="Montserrat" panose="00000500000000000000" pitchFamily="2" charset="-52"/>
-              </a:rPr>
-              <a:t>HYDRA </a:t>
-            </a:r>
-            <a:r>
-              <a:rPr lang="ru-RU" sz="3600" b="1" dirty="0">
-                <a:solidFill>
-                  <a:srgbClr val="007B8D"/>
-                </a:solidFill>
-                <a:latin typeface="Montserrat" panose="00000500000000000000" pitchFamily="2" charset="-52"/>
-              </a:rPr>
-              <a:t>в составе:</a:t>
-            </a:r>
-          </a:p>
-        </p:txBody>
-      </p:sp>
-      <p:sp>
-        <p:nvSpPr>
-          <p:cNvPr id="3" name="TextBox 2">
-            <a:extLst>
-              <a:ext uri="{FF2B5EF4-FFF2-40B4-BE49-F238E27FC236}">
-                <a16:creationId xmlns:a16="http://schemas.microsoft.com/office/drawing/2014/main" id="{845261C8-2C16-4586-BA50-A45994F4AB3C}"/>
-              </a:ext>
-            </a:extLst>
-          </p:cNvPr>
-          <p:cNvSpPr txBox="1"/>
-          <p:nvPr/>
-        </p:nvSpPr>
-        <p:spPr>
-          <a:xfrm>
-            <a:off x="791029" y="2126592"/>
-            <a:ext cx="10609942" cy="2604816"/>
-          </a:xfrm>
-          <a:prstGeom prst="rect">
-            <a:avLst/>
-          </a:prstGeom>
-          <a:noFill/>
-        </p:spPr>
-        <p:txBody>
-          <a:bodyPr wrap="square" rtlCol="0">
-            <a:spAutoFit/>
-          </a:bodyPr>
-          <a:lstStyle/>
-          <a:p>
-            <a:pPr>
-              <a:lnSpc>
-                <a:spcPct val="150000"/>
-              </a:lnSpc>
-            </a:pPr>
-            <a:r>
-              <a:rPr lang="ru-RU" sz="2800" dirty="0">
-                <a:latin typeface="Montserrat" panose="00000500000000000000" pitchFamily="2" charset="-52"/>
-              </a:rPr>
-              <a:t>Лейкин Григорий // </a:t>
-            </a:r>
-            <a:r>
-              <a:rPr lang="en-US" sz="2800" dirty="0" err="1">
-                <a:latin typeface="Montserrat" panose="00000500000000000000" pitchFamily="2" charset="-52"/>
-              </a:rPr>
-              <a:t>reOil</a:t>
-            </a:r>
-            <a:endParaRPr lang="en-US" sz="2800" dirty="0">
-              <a:latin typeface="Montserrat" panose="00000500000000000000" pitchFamily="2" charset="-52"/>
-            </a:endParaRPr>
-          </a:p>
-          <a:p>
-            <a:pPr>
-              <a:lnSpc>
-                <a:spcPct val="150000"/>
-              </a:lnSpc>
-            </a:pPr>
-            <a:r>
-              <a:rPr lang="ru-RU" sz="2800" dirty="0">
-                <a:latin typeface="Montserrat" panose="00000500000000000000" pitchFamily="2" charset="-52"/>
-              </a:rPr>
-              <a:t>Коньков Артем // </a:t>
-            </a:r>
-            <a:r>
-              <a:rPr lang="en-US" sz="2800" dirty="0" err="1">
-                <a:latin typeface="Montserrat" panose="00000500000000000000" pitchFamily="2" charset="-52"/>
-              </a:rPr>
-              <a:t>vapersan</a:t>
-            </a:r>
-            <a:endParaRPr lang="en-US" sz="2800" dirty="0">
-              <a:latin typeface="Montserrat" panose="00000500000000000000" pitchFamily="2" charset="-52"/>
-            </a:endParaRPr>
-          </a:p>
-          <a:p>
-            <a:pPr>
-              <a:lnSpc>
-                <a:spcPct val="150000"/>
-              </a:lnSpc>
-            </a:pPr>
-            <a:r>
-              <a:rPr lang="ru-RU" sz="2800" dirty="0">
-                <a:latin typeface="Montserrat" panose="00000500000000000000" pitchFamily="2" charset="-52"/>
-              </a:rPr>
-              <a:t>Котляров Олег // </a:t>
-            </a:r>
-            <a:r>
-              <a:rPr lang="en-US" sz="2800" dirty="0" err="1">
-                <a:latin typeface="Montserrat" panose="00000500000000000000" pitchFamily="2" charset="-52"/>
-              </a:rPr>
-              <a:t>luvvnet</a:t>
-            </a:r>
-            <a:endParaRPr lang="en-US" sz="2800" dirty="0">
-              <a:latin typeface="Montserrat" panose="00000500000000000000" pitchFamily="2" charset="-52"/>
-            </a:endParaRPr>
-          </a:p>
-          <a:p>
-            <a:pPr>
-              <a:lnSpc>
-                <a:spcPct val="150000"/>
-              </a:lnSpc>
-            </a:pPr>
-            <a:r>
-              <a:rPr lang="ru-RU" sz="2800" dirty="0">
-                <a:latin typeface="Montserrat" panose="00000500000000000000" pitchFamily="2" charset="-52"/>
-              </a:rPr>
-              <a:t>Плахов Игорь // </a:t>
-            </a:r>
-            <a:r>
-              <a:rPr lang="en-US" sz="2800" dirty="0" err="1">
-                <a:latin typeface="Montserrat" panose="00000500000000000000" pitchFamily="2" charset="-52"/>
-              </a:rPr>
-              <a:t>AdisAlagic</a:t>
-            </a:r>
-            <a:endParaRPr lang="ru-RU" sz="2800" dirty="0">
-              <a:latin typeface="Montserrat" panose="00000500000000000000" pitchFamily="2" charset="-52"/>
-            </a:endParaRPr>
-          </a:p>
-        </p:txBody>
-      </p:sp>
-      <p:sp>
-        <p:nvSpPr>
-          <p:cNvPr id="5" name="Прямоугольник 4">
-            <a:extLst>
-              <a:ext uri="{FF2B5EF4-FFF2-40B4-BE49-F238E27FC236}">
-                <a16:creationId xmlns:a16="http://schemas.microsoft.com/office/drawing/2014/main" id="{9E7DBECB-379C-43F2-AE38-5761957A6A51}"/>
-              </a:ext>
-            </a:extLst>
-          </p:cNvPr>
-          <p:cNvSpPr/>
-          <p:nvPr/>
-        </p:nvSpPr>
-        <p:spPr>
-          <a:xfrm>
-            <a:off x="2050662" y="5464724"/>
-            <a:ext cx="8090676" cy="523220"/>
-          </a:xfrm>
-          <a:prstGeom prst="rect">
-            <a:avLst/>
-          </a:prstGeom>
-        </p:spPr>
-        <p:txBody>
-          <a:bodyPr wrap="none">
-            <a:spAutoFit/>
-          </a:bodyPr>
-          <a:lstStyle/>
-          <a:p>
-            <a:r>
-              <a:rPr lang="ru-RU" sz="2800" b="1" dirty="0">
-                <a:solidFill>
-                  <a:srgbClr val="007B8D"/>
-                </a:solidFill>
-                <a:latin typeface="Montserrat" panose="00000500000000000000" pitchFamily="2" charset="-52"/>
-              </a:rPr>
-              <a:t>Спасибо, увидимся в следующем году!</a:t>
-            </a:r>
-          </a:p>
-        </p:txBody>
-      </p:sp>
-    </p:spTree>
-    <p:extLst>
-      <p:ext uri="{BB962C8B-B14F-4D97-AF65-F5344CB8AC3E}">
-        <p14:creationId xmlns:p14="http://schemas.microsoft.com/office/powerpoint/2010/main" val="3359763066"/>
-      </p:ext>
-    </p:extLst>
-  </p:cSld>
-  <p:clrMapOvr>
-    <a:masterClrMapping/>
-  </p:clrMapOvr>
-  <p:timing>
-    <p:tnLst>
-      <p:par>
-        <p:cTn id="1" dur="indefinite" restart="never" nodeType="tmRoot">
-          <p:childTnLst>
-            <p:seq concurrent="1" nextAc="seek">
-              <p:cTn id="2" dur="indefinite" nodeType="mainSeq">
-                <p:childTnLst>
-                  <p:par>
-                    <p:cTn id="3" fill="hold">
-                      <p:stCondLst>
-                        <p:cond delay="indefinite"/>
-                        <p:cond evt="onBegin" delay="0">
-                          <p:tn val="2"/>
-                        </p:cond>
-                      </p:stCondLst>
-                      <p:childTnLst>
-                        <p:par>
-                          <p:cTn id="4" fill="hold">
-                            <p:stCondLst>
-                              <p:cond delay="0"/>
-                            </p:stCondLst>
-                            <p:childTnLst>
-                              <p:par>
-                                <p:cTn id="5" presetID="10" presetClass="entr" presetSubtype="0" fill="hold" grpId="0" nodeType="afterEffect">
-                                  <p:stCondLst>
-                                    <p:cond delay="0"/>
-                                  </p:stCondLst>
-                                  <p:childTnLst>
-                                    <p:set>
-                                      <p:cBhvr>
-                                        <p:cTn id="6" dur="1" fill="hold">
-                                          <p:stCondLst>
-                                            <p:cond delay="0"/>
-                                          </p:stCondLst>
-                                        </p:cTn>
-                                        <p:tgtEl>
-                                          <p:spTgt spid="3"/>
-                                        </p:tgtEl>
-                                        <p:attrNameLst>
-                                          <p:attrName>style.visibility</p:attrName>
-                                        </p:attrNameLst>
-                                      </p:cBhvr>
-                                      <p:to>
-                                        <p:strVal val="visible"/>
-                                      </p:to>
-                                    </p:set>
-                                    <p:animEffect transition="in" filter="fade">
-                                      <p:cBhvr>
-                                        <p:cTn id="7" dur="1000"/>
-                                        <p:tgtEl>
-                                          <p:spTgt spid="3"/>
-                                        </p:tgtEl>
-                                      </p:cBhvr>
-                                    </p:animEffect>
-                                  </p:childTnLst>
-                                </p:cTn>
-                              </p:par>
-                            </p:childTnLst>
-                          </p:cTn>
-                        </p:par>
-                      </p:childTnLst>
-                    </p:cTn>
-                  </p:par>
-                </p:childTnLst>
-              </p:cTn>
-              <p:prevCondLst>
-                <p:cond evt="onPrev" delay="0">
-                  <p:tgtEl>
-                    <p:sldTgt/>
-                  </p:tgtEl>
-                </p:cond>
-              </p:prevCondLst>
-              <p:nextCondLst>
-                <p:cond evt="onNext" delay="0">
-                  <p:tgtEl>
-                    <p:sldTgt/>
-                  </p:tgtEl>
-                </p:cond>
-              </p:nextCondLst>
-            </p:seq>
-          </p:childTnLst>
-        </p:cTn>
-      </p:par>
-    </p:tnLst>
-    <p:bldLst>
-      <p:bldP spid="3" grpId="0"/>
     </p:bldLst>
   </p:timing>
 </p:sld>
@@ -9564,58 +8377,22 @@
           </a:p>
         </p:txBody>
       </p:sp>
-      <p:pic>
-        <p:nvPicPr>
-          <p:cNvPr id="4" name="Рисунок 3">
-            <a:extLst>
-              <a:ext uri="{FF2B5EF4-FFF2-40B4-BE49-F238E27FC236}">
-                <a16:creationId xmlns:a16="http://schemas.microsoft.com/office/drawing/2014/main" id="{19B93C5F-82E0-4653-840F-F8E78A4CDD59}"/>
-              </a:ext>
-            </a:extLst>
-          </p:cNvPr>
-          <p:cNvPicPr>
-            <a:picLocks noChangeAspect="1"/>
-          </p:cNvPicPr>
+      <p:sp>
+        <p:nvSpPr>
+          <p:cNvPr id="3" name="TextBox 2">
+            <a:extLst>
+              <a:ext uri="{FF2B5EF4-FFF2-40B4-BE49-F238E27FC236}">
+                <a16:creationId xmlns:a16="http://schemas.microsoft.com/office/drawing/2014/main" id="{0087006D-4505-47EE-A2B6-61F5B443C89D}"/>
+              </a:ext>
+            </a:extLst>
+          </p:cNvPr>
+          <p:cNvSpPr txBox="1"/>
           <p:nvPr/>
-        </p:nvPicPr>
-        <p:blipFill>
-          <a:blip r:embed="rId2">
-            <a:extLst>
-              <a:ext uri="{28A0092B-C50C-407E-A947-70E740481C1C}">
-                <a14:useLocalDpi xmlns:a14="http://schemas.microsoft.com/office/drawing/2010/main" val="0"/>
-              </a:ext>
-            </a:extLst>
-          </a:blip>
-          <a:stretch>
-            <a:fillRect/>
-          </a:stretch>
-        </p:blipFill>
+        </p:nvSpPr>
         <p:spPr>
           <a:xfrm>
-            <a:off x="2876550" y="1581150"/>
-            <a:ext cx="6438900" cy="3695700"/>
-          </a:xfrm>
-          <a:prstGeom prst="rect">
-            <a:avLst/>
-          </a:prstGeom>
-        </p:spPr>
-      </p:pic>
-      <p:sp>
-        <p:nvSpPr>
-          <p:cNvPr id="5" name="TextBox 4">
-            <a:extLst>
-              <a:ext uri="{FF2B5EF4-FFF2-40B4-BE49-F238E27FC236}">
-                <a16:creationId xmlns:a16="http://schemas.microsoft.com/office/drawing/2014/main" id="{10600D1B-FD65-4E1E-9D10-E285E5EC678D}"/>
-              </a:ext>
-            </a:extLst>
-          </p:cNvPr>
-          <p:cNvSpPr txBox="1"/>
-          <p:nvPr/>
-        </p:nvSpPr>
-        <p:spPr>
-          <a:xfrm>
-            <a:off x="4054512" y="5685810"/>
-            <a:ext cx="4082975" cy="665823"/>
+            <a:off x="251364" y="1796181"/>
+            <a:ext cx="11689272" cy="3265638"/>
           </a:xfrm>
           <a:prstGeom prst="rect">
             <a:avLst/>
@@ -9628,17 +8405,94 @@
           </a:bodyPr>
           <a:lstStyle/>
           <a:p>
-            <a:pPr>
+            <a:pPr marL="285750" indent="-285750">
               <a:lnSpc>
-                <a:spcPct val="150000"/>
+                <a:spcPct val="300000"/>
               </a:lnSpc>
+              <a:buFont typeface="Arial" panose="020B0604020202020204" pitchFamily="34" charset="0"/>
+              <a:buChar char="•"/>
             </a:pPr>
             <a:r>
-              <a:rPr lang="ru-RU" sz="2800" dirty="0">
+              <a:rPr lang="ru-RU" dirty="0">
                 <a:latin typeface="Montserrat" panose="00000500000000000000" pitchFamily="2" charset="-52"/>
               </a:rPr>
-              <a:t>Немного мифологии</a:t>
-            </a:r>
+              <a:t>Комплексное решение в организации микроархитектуры и </a:t>
+            </a:r>
+            <a:r>
+              <a:rPr lang="ru-RU" dirty="0" err="1">
+                <a:latin typeface="Montserrat" panose="00000500000000000000" pitchFamily="2" charset="-52"/>
+              </a:rPr>
+              <a:t>микросервисов</a:t>
+            </a:r>
+            <a:r>
+              <a:rPr lang="ru-RU" dirty="0">
+                <a:latin typeface="Montserrat" panose="00000500000000000000" pitchFamily="2" charset="-52"/>
+              </a:rPr>
+              <a:t>.</a:t>
+            </a:r>
+          </a:p>
+          <a:p>
+            <a:pPr marL="285750" indent="-285750">
+              <a:lnSpc>
+                <a:spcPct val="300000"/>
+              </a:lnSpc>
+              <a:buFont typeface="Arial" panose="020B0604020202020204" pitchFamily="34" charset="0"/>
+              <a:buChar char="•"/>
+            </a:pPr>
+            <a:r>
+              <a:rPr lang="ru-RU" dirty="0">
+                <a:latin typeface="Montserrat" panose="00000500000000000000" pitchFamily="2" charset="-52"/>
+              </a:rPr>
+              <a:t>Сайт хранящий информацию о модулях готовых к интеграции в вашу среду</a:t>
+            </a:r>
+          </a:p>
+          <a:p>
+            <a:pPr marL="285750" indent="-285750">
+              <a:lnSpc>
+                <a:spcPct val="300000"/>
+              </a:lnSpc>
+              <a:buFont typeface="Arial" panose="020B0604020202020204" pitchFamily="34" charset="0"/>
+              <a:buChar char="•"/>
+            </a:pPr>
+            <a:r>
+              <a:rPr lang="ru-RU" dirty="0">
+                <a:latin typeface="Montserrat" panose="00000500000000000000" pitchFamily="2" charset="-52"/>
+              </a:rPr>
+              <a:t>Удобный способ следить за разработкой </a:t>
+            </a:r>
+            <a:r>
+              <a:rPr lang="ru-RU" dirty="0" err="1">
+                <a:latin typeface="Montserrat" panose="00000500000000000000" pitchFamily="2" charset="-52"/>
+              </a:rPr>
+              <a:t>микросервисов</a:t>
+            </a:r>
+            <a:endParaRPr lang="ru-RU" dirty="0">
+              <a:latin typeface="Montserrat" panose="00000500000000000000" pitchFamily="2" charset="-52"/>
+            </a:endParaRPr>
+          </a:p>
+          <a:p>
+            <a:pPr marL="285750" indent="-285750">
+              <a:lnSpc>
+                <a:spcPct val="300000"/>
+              </a:lnSpc>
+              <a:buFont typeface="Arial" panose="020B0604020202020204" pitchFamily="34" charset="0"/>
+              <a:buChar char="•"/>
+            </a:pPr>
+            <a:r>
+              <a:rPr lang="ru-RU" dirty="0">
+                <a:latin typeface="Montserrat" panose="00000500000000000000" pitchFamily="2" charset="-52"/>
+              </a:rPr>
+              <a:t>Платформа дающая возможность предложить вам идею о создании нового </a:t>
+            </a:r>
+            <a:r>
+              <a:rPr lang="ru-RU" dirty="0" err="1">
+                <a:latin typeface="Montserrat" panose="00000500000000000000" pitchFamily="2" charset="-52"/>
+              </a:rPr>
+              <a:t>микросервиса</a:t>
+            </a:r>
+            <a:endParaRPr lang="ru-RU" dirty="0">
+              <a:latin typeface="Montserrat" panose="00000500000000000000" pitchFamily="2" charset="-52"/>
+            </a:endParaRPr>
           </a:p>
         </p:txBody>
       </p:sp>
@@ -9689,7 +8543,7 @@
                                           </p:stCondLst>
                                         </p:cTn>
                                         <p:tgtEl>
-                                          <p:spTgt spid="5"/>
+                                          <p:spTgt spid="3"/>
                                         </p:tgtEl>
                                         <p:attrNameLst>
                                           <p:attrName>style.visibility</p:attrName>
@@ -9701,9 +8555,9 @@
                                     </p:set>
                                     <p:animEffect transition="in" filter="fade">
                                       <p:cBhvr>
-                                        <p:cTn id="7" dur="1000"/>
+                                        <p:cTn id="7" dur="500"/>
                                         <p:tgtEl>
-                                          <p:spTgt spid="5"/>
+                                          <p:spTgt spid="3"/>
                                         </p:tgtEl>
                                       </p:cBhvr>
                                     </p:animEffect>
@@ -9738,7 +8592,7 @@
       </p:par>
     </p:tnLst>
     <p:bldLst>
-      <p:bldP spid="5" grpId="0"/>
+      <p:bldP spid="3" grpId="0"/>
     </p:bldLst>
   </p:timing>
 </p:sld>
@@ -9761,42 +8615,12 @@
           <a:chExt cx="0" cy="0"/>
         </a:xfrm>
       </p:grpSpPr>
-      <p:pic>
-        <p:nvPicPr>
-          <p:cNvPr id="3" name="Рисунок 2">
-            <a:extLst>
-              <a:ext uri="{FF2B5EF4-FFF2-40B4-BE49-F238E27FC236}">
-                <a16:creationId xmlns:a16="http://schemas.microsoft.com/office/drawing/2014/main" id="{1DB779B4-47DE-451C-B6FB-F137CB425AD5}"/>
-              </a:ext>
-            </a:extLst>
-          </p:cNvPr>
-          <p:cNvPicPr>
-            <a:picLocks noChangeAspect="1"/>
-          </p:cNvPicPr>
-          <p:nvPr/>
-        </p:nvPicPr>
-        <p:blipFill>
-          <a:blip r:embed="rId2"/>
-          <a:stretch>
-            <a:fillRect/>
-          </a:stretch>
-        </p:blipFill>
-        <p:spPr>
-          <a:xfrm>
-            <a:off x="0" y="768350"/>
-            <a:ext cx="12192000" cy="6089650"/>
-          </a:xfrm>
-          <a:prstGeom prst="rect">
-            <a:avLst/>
-          </a:prstGeom>
-        </p:spPr>
-      </p:pic>
-      <p:sp>
-        <p:nvSpPr>
-          <p:cNvPr id="4" name="Прямоугольник 3">
-            <a:extLst>
-              <a:ext uri="{FF2B5EF4-FFF2-40B4-BE49-F238E27FC236}">
-                <a16:creationId xmlns:a16="http://schemas.microsoft.com/office/drawing/2014/main" id="{E44F1181-61D0-4E8D-9BD2-DFCAE0190E51}"/>
+      <p:sp>
+        <p:nvSpPr>
+          <p:cNvPr id="2" name="Прямоугольник 1">
+            <a:extLst>
+              <a:ext uri="{FF2B5EF4-FFF2-40B4-BE49-F238E27FC236}">
+                <a16:creationId xmlns:a16="http://schemas.microsoft.com/office/drawing/2014/main" id="{28A88362-ACF8-4923-8FF9-E1936D1C3DFD}"/>
               </a:ext>
             </a:extLst>
           </p:cNvPr>
@@ -9806,7 +8630,7 @@
         <p:spPr>
           <a:xfrm>
             <a:off x="226503" y="192947"/>
-            <a:ext cx="3711272" cy="523220"/>
+            <a:ext cx="2900153" cy="523220"/>
           </a:xfrm>
           <a:prstGeom prst="rect">
             <a:avLst/>
@@ -9825,7 +8649,169 @@
                 </a:solidFill>
                 <a:latin typeface="Montserrat" panose="00000500000000000000" pitchFamily="2" charset="-52"/>
               </a:rPr>
-              <a:t>Главная страница</a:t>
+              <a:t>Особенности</a:t>
+            </a:r>
+          </a:p>
+        </p:txBody>
+      </p:sp>
+      <p:sp>
+        <p:nvSpPr>
+          <p:cNvPr id="3" name="TextBox 2">
+            <a:extLst>
+              <a:ext uri="{FF2B5EF4-FFF2-40B4-BE49-F238E27FC236}">
+                <a16:creationId xmlns:a16="http://schemas.microsoft.com/office/drawing/2014/main" id="{D104C5BC-51F0-424C-A1A2-91F7C9CB5CE2}"/>
+              </a:ext>
+            </a:extLst>
+          </p:cNvPr>
+          <p:cNvSpPr txBox="1"/>
+          <p:nvPr/>
+        </p:nvSpPr>
+        <p:spPr>
+          <a:xfrm>
+            <a:off x="833140" y="1157096"/>
+            <a:ext cx="10525720" cy="5200526"/>
+          </a:xfrm>
+          <a:prstGeom prst="rect">
+            <a:avLst/>
+          </a:prstGeom>
+          <a:noFill/>
+        </p:spPr>
+        <p:txBody>
+          <a:bodyPr wrap="square" rtlCol="0">
+            <a:spAutoFit/>
+          </a:bodyPr>
+          <a:lstStyle/>
+          <a:p>
+            <a:pPr marL="457200" indent="-457200">
+              <a:lnSpc>
+                <a:spcPct val="150000"/>
+              </a:lnSpc>
+              <a:buFont typeface="Arial" panose="020B0604020202020204" pitchFamily="34" charset="0"/>
+              <a:buChar char="•"/>
+            </a:pPr>
+            <a:r>
+              <a:rPr lang="ru-RU" sz="2400" dirty="0">
+                <a:latin typeface="Montserrat" panose="00000500000000000000" pitchFamily="2" charset="-52"/>
+              </a:rPr>
+              <a:t>Собственное </a:t>
+            </a:r>
+            <a:r>
+              <a:rPr lang="en-US" sz="2400" dirty="0">
+                <a:latin typeface="Montserrat" panose="00000500000000000000" pitchFamily="2" charset="-52"/>
+              </a:rPr>
+              <a:t>API</a:t>
+            </a:r>
+            <a:endParaRPr lang="ru-RU" sz="2400" dirty="0">
+              <a:latin typeface="Montserrat" panose="00000500000000000000" pitchFamily="2" charset="-52"/>
+            </a:endParaRPr>
+          </a:p>
+          <a:p>
+            <a:pPr marL="457200" indent="-457200">
+              <a:buFont typeface="Arial" panose="020B0604020202020204" pitchFamily="34" charset="0"/>
+              <a:buChar char="•"/>
+            </a:pPr>
+            <a:r>
+              <a:rPr lang="en-US" sz="2400" dirty="0">
+                <a:latin typeface="Montserrat" panose="00000500000000000000" pitchFamily="2" charset="-52"/>
+              </a:rPr>
+              <a:t>Android </a:t>
+            </a:r>
+            <a:r>
+              <a:rPr lang="ru-RU" sz="2400" dirty="0">
+                <a:latin typeface="Montserrat" panose="00000500000000000000" pitchFamily="2" charset="-52"/>
+              </a:rPr>
+              <a:t>приложение (и неважно что мы не успели его доделать)</a:t>
+            </a:r>
+          </a:p>
+          <a:p>
+            <a:pPr marL="457200" indent="-457200">
+              <a:lnSpc>
+                <a:spcPct val="150000"/>
+              </a:lnSpc>
+              <a:buFont typeface="Arial" panose="020B0604020202020204" pitchFamily="34" charset="0"/>
+              <a:buChar char="•"/>
+            </a:pPr>
+            <a:r>
+              <a:rPr lang="ru-RU" sz="2400" dirty="0">
+                <a:latin typeface="Montserrat" panose="00000500000000000000" pitchFamily="2" charset="-52"/>
+              </a:rPr>
+              <a:t>Самый точный поиск дубликатов</a:t>
+            </a:r>
+          </a:p>
+          <a:p>
+            <a:pPr>
+              <a:lnSpc>
+                <a:spcPct val="150000"/>
+              </a:lnSpc>
+            </a:pPr>
+            <a:r>
+              <a:rPr lang="ru-RU" sz="2400" dirty="0">
+                <a:latin typeface="Montserrat" panose="00000500000000000000" pitchFamily="2" charset="-52"/>
+              </a:rPr>
+              <a:t>     При попытке создать </a:t>
+            </a:r>
+            <a:r>
+              <a:rPr lang="ru-RU" sz="2400" dirty="0" err="1">
+                <a:latin typeface="Montserrat" panose="00000500000000000000" pitchFamily="2" charset="-52"/>
+              </a:rPr>
+              <a:t>микросервис</a:t>
+            </a:r>
+            <a:r>
+              <a:rPr lang="ru-RU" sz="2400" dirty="0">
+                <a:latin typeface="Montserrat" panose="00000500000000000000" pitchFamily="2" charset="-52"/>
+              </a:rPr>
+              <a:t> с описанием которое совпадает по словам с тем что уже было на сайте, выдаст предупреждение</a:t>
+            </a:r>
+          </a:p>
+          <a:p>
+            <a:pPr marL="457200" indent="-457200">
+              <a:lnSpc>
+                <a:spcPct val="150000"/>
+              </a:lnSpc>
+              <a:buFont typeface="Arial" panose="020B0604020202020204" pitchFamily="34" charset="0"/>
+              <a:buChar char="•"/>
+            </a:pPr>
+            <a:r>
+              <a:rPr lang="ru-RU" sz="2400" dirty="0">
+                <a:latin typeface="Montserrat" panose="00000500000000000000" pitchFamily="2" charset="-52"/>
+              </a:rPr>
+              <a:t>Система тэгов</a:t>
+            </a:r>
+          </a:p>
+          <a:p>
+            <a:pPr marL="457200" indent="-457200">
+              <a:lnSpc>
+                <a:spcPct val="150000"/>
+              </a:lnSpc>
+              <a:buFont typeface="Arial" panose="020B0604020202020204" pitchFamily="34" charset="0"/>
+              <a:buChar char="•"/>
+            </a:pPr>
+            <a:r>
+              <a:rPr lang="en-US" sz="2400" dirty="0">
+                <a:latin typeface="Montserrat" panose="00000500000000000000" pitchFamily="2" charset="-52"/>
+              </a:rPr>
+              <a:t>User-Friendly </a:t>
+            </a:r>
+            <a:r>
+              <a:rPr lang="ru-RU" sz="2400" dirty="0">
+                <a:latin typeface="Montserrat" panose="00000500000000000000" pitchFamily="2" charset="-52"/>
+              </a:rPr>
+              <a:t>интерфейс</a:t>
+            </a:r>
+          </a:p>
+          <a:p>
+            <a:pPr marL="457200" indent="-457200">
+              <a:lnSpc>
+                <a:spcPct val="150000"/>
+              </a:lnSpc>
+              <a:buFont typeface="Arial" panose="020B0604020202020204" pitchFamily="34" charset="0"/>
+              <a:buChar char="•"/>
+            </a:pPr>
+            <a:r>
+              <a:rPr lang="ru-RU" sz="2400" dirty="0">
+                <a:latin typeface="Montserrat" panose="00000500000000000000" pitchFamily="2" charset="-52"/>
+              </a:rPr>
+              <a:t>Высокое быстродействие системы</a:t>
             </a:r>
           </a:p>
         </p:txBody>
@@ -9833,13 +8819,102 @@
     </p:spTree>
     <p:extLst>
       <p:ext uri="{BB962C8B-B14F-4D97-AF65-F5344CB8AC3E}">
-        <p14:creationId xmlns:p14="http://schemas.microsoft.com/office/powerpoint/2010/main" val="340110309"/>
+        <p14:creationId xmlns:p14="http://schemas.microsoft.com/office/powerpoint/2010/main" val="2748134417"/>
       </p:ext>
     </p:extLst>
   </p:cSld>
   <p:clrMapOvr>
     <a:masterClrMapping/>
   </p:clrMapOvr>
+  <p:timing>
+    <p:tnLst>
+      <p:par>
+        <p:cTn id="1" dur="indefinite" restart="never" nodeType="tmRoot">
+          <p:childTnLst>
+            <p:seq concurrent="1" nextAc="seek">
+              <p:cTn id="2" dur="indefinite" nodeType="mainSeq">
+                <p:childTnLst>
+                  <p:par>
+                    <p:cTn id="3" fill="hold">
+                      <p:stCondLst>
+                        <p:cond delay="indefinite"/>
+                        <p:cond evt="onBegin" delay="0">
+                          <p:tn val="2"/>
+                        </p:cond>
+                      </p:stCondLst>
+                      <p:childTnLst>
+                        <p:par>
+                          <p:cTn id="4" fill="hold">
+                            <p:stCondLst>
+                              <p:cond delay="0"/>
+                            </p:stCondLst>
+                            <p:childTnLst>
+                              <p:par>
+                                <p:cTn id="5" presetID="10" presetClass="entr" presetSubtype="0" fill="hold" grpId="0" nodeType="afterEffect">
+                                  <p:stCondLst>
+                                    <p:cond delay="0"/>
+                                  </p:stCondLst>
+                                  <p:childTnLst>
+                                    <p:set>
+                                      <p:cBhvr>
+                                        <p:cTn id="6" dur="1" fill="hold">
+                                          <p:stCondLst>
+                                            <p:cond delay="0"/>
+                                          </p:stCondLst>
+                                        </p:cTn>
+                                        <p:tgtEl>
+                                          <p:spTgt spid="3"/>
+                                        </p:tgtEl>
+                                        <p:attrNameLst>
+                                          <p:attrName>style.visibility</p:attrName>
+                                        </p:attrNameLst>
+                                      </p:cBhvr>
+                                      <p:to>
+                                        <p:strVal val="visible"/>
+                                      </p:to>
+                                    </p:set>
+                                    <p:animEffect transition="in" filter="fade">
+                                      <p:cBhvr>
+                                        <p:cTn id="7" dur="1000"/>
+                                        <p:tgtEl>
+                                          <p:spTgt spid="3"/>
+                                        </p:tgtEl>
+                                      </p:cBhvr>
+                                    </p:animEffect>
+                                  </p:childTnLst>
+                                </p:cTn>
+                              </p:par>
+                            </p:childTnLst>
+                          </p:cTn>
+                        </p:par>
+                      </p:childTnLst>
+                    </p:cTn>
+                  </p:par>
+                </p:childTnLst>
+              </p:cTn>
+              <p:prevCondLst>
+                <p:cond evt="onPrev" delay="0">
+                  <p:tgtEl>
+                    <p:sldTgt/>
+                  </p:tgtEl>
+                </p:cond>
+              </p:prevCondLst>
+              <p:nextCondLst>
+                <p:cond evt="onNext" delay="0">
+                  <p:tgtEl>
+                    <p:sldTgt/>
+                  </p:tgtEl>
+                </p:cond>
+              </p:nextCondLst>
+            </p:seq>
+          </p:childTnLst>
+        </p:cTn>
+      </p:par>
+    </p:tnLst>
+    <p:bldLst>
+      <p:bldP spid="3" grpId="0"/>
+    </p:bldLst>
+  </p:timing>
 </p:sld>
 </file>
 
@@ -9860,57 +8935,27 @@
           <a:chExt cx="0" cy="0"/>
         </a:xfrm>
       </p:grpSpPr>
-      <p:pic>
-        <p:nvPicPr>
-          <p:cNvPr id="2" name="Рисунок 1">
-            <a:extLst>
-              <a:ext uri="{FF2B5EF4-FFF2-40B4-BE49-F238E27FC236}">
-                <a16:creationId xmlns:a16="http://schemas.microsoft.com/office/drawing/2014/main" id="{589AC1A7-72F5-4F83-BF2C-48DF238FEF68}"/>
-              </a:ext>
-            </a:extLst>
-          </p:cNvPr>
-          <p:cNvPicPr>
-            <a:picLocks noChangeAspect="1"/>
-          </p:cNvPicPr>
+      <p:sp>
+        <p:nvSpPr>
+          <p:cNvPr id="5" name="Прямоугольник 4">
+            <a:extLst>
+              <a:ext uri="{FF2B5EF4-FFF2-40B4-BE49-F238E27FC236}">
+                <a16:creationId xmlns:a16="http://schemas.microsoft.com/office/drawing/2014/main" id="{85C50EFA-6068-4DD2-80D6-52BD2432776D}"/>
+              </a:ext>
+            </a:extLst>
+          </p:cNvPr>
+          <p:cNvSpPr/>
           <p:nvPr/>
-        </p:nvPicPr>
-        <p:blipFill>
-          <a:blip r:embed="rId2"/>
-          <a:stretch>
-            <a:fillRect/>
-          </a:stretch>
-        </p:blipFill>
+        </p:nvSpPr>
         <p:spPr>
           <a:xfrm>
-            <a:off x="0" y="768350"/>
-            <a:ext cx="12192000" cy="6089650"/>
+            <a:off x="226503" y="192947"/>
+            <a:ext cx="9264075" cy="646331"/>
           </a:xfrm>
           <a:prstGeom prst="rect">
             <a:avLst/>
           </a:prstGeom>
         </p:spPr>
-      </p:pic>
-      <p:sp>
-        <p:nvSpPr>
-          <p:cNvPr id="3" name="Прямоугольник 2">
-            <a:extLst>
-              <a:ext uri="{FF2B5EF4-FFF2-40B4-BE49-F238E27FC236}">
-                <a16:creationId xmlns:a16="http://schemas.microsoft.com/office/drawing/2014/main" id="{620CF43D-99D7-4574-9CAA-68A08F16ADCF}"/>
-              </a:ext>
-            </a:extLst>
-          </p:cNvPr>
-          <p:cNvSpPr/>
-          <p:nvPr/>
-        </p:nvSpPr>
-        <p:spPr>
-          <a:xfrm>
-            <a:off x="226503" y="192947"/>
-            <a:ext cx="4934364" cy="523220"/>
-          </a:xfrm>
-          <a:prstGeom prst="rect">
-            <a:avLst/>
-          </a:prstGeom>
-        </p:spPr>
         <p:txBody>
           <a:bodyPr wrap="none">
             <a:spAutoFit/>
@@ -9918,42 +8963,199 @@
           <a:lstStyle/>
           <a:p>
             <a:r>
-              <a:rPr lang="ru-RU" sz="2800" b="1" dirty="0">
+              <a:rPr lang="ru-RU" sz="3600" b="1" dirty="0">
                 <a:solidFill>
                   <a:srgbClr val="007B8D"/>
                 </a:solidFill>
                 <a:latin typeface="Montserrat" panose="00000500000000000000" pitchFamily="2" charset="-52"/>
               </a:rPr>
-              <a:t>Каталог </a:t>
-            </a:r>
-            <a:r>
-              <a:rPr lang="ru-RU" sz="2800" b="1" dirty="0" err="1">
-                <a:solidFill>
-                  <a:srgbClr val="007B8D"/>
-                </a:solidFill>
+              <a:t>Как HSM экономит время и деньги?</a:t>
+            </a:r>
+          </a:p>
+        </p:txBody>
+      </p:sp>
+      <p:sp>
+        <p:nvSpPr>
+          <p:cNvPr id="6" name="TextBox 5">
+            <a:extLst>
+              <a:ext uri="{FF2B5EF4-FFF2-40B4-BE49-F238E27FC236}">
+                <a16:creationId xmlns:a16="http://schemas.microsoft.com/office/drawing/2014/main" id="{001DA07C-9EBE-44D9-8330-A980E380668E}"/>
+              </a:ext>
+            </a:extLst>
+          </p:cNvPr>
+          <p:cNvSpPr txBox="1"/>
+          <p:nvPr/>
+        </p:nvSpPr>
+        <p:spPr>
+          <a:xfrm>
+            <a:off x="791029" y="1291748"/>
+            <a:ext cx="10609942" cy="4274503"/>
+          </a:xfrm>
+          <a:prstGeom prst="rect">
+            <a:avLst/>
+          </a:prstGeom>
+          <a:noFill/>
+        </p:spPr>
+        <p:txBody>
+          <a:bodyPr wrap="square" rtlCol="0">
+            <a:spAutoFit/>
+          </a:bodyPr>
+          <a:lstStyle/>
+          <a:p>
+            <a:pPr marL="342900" indent="-342900">
+              <a:lnSpc>
+                <a:spcPct val="200000"/>
+              </a:lnSpc>
+              <a:buAutoNum type="arabicPeriod"/>
+            </a:pPr>
+            <a:r>
+              <a:rPr lang="ru-RU" sz="2800" dirty="0">
                 <a:latin typeface="Montserrat" panose="00000500000000000000" pitchFamily="2" charset="-52"/>
               </a:rPr>
-              <a:t>микросервисов</a:t>
-            </a:r>
-            <a:endParaRPr lang="ru-RU" sz="2800" b="1" dirty="0">
-              <a:solidFill>
-                <a:srgbClr val="007B8D"/>
-              </a:solidFill>
-              <a:latin typeface="Montserrat" panose="00000500000000000000" pitchFamily="2" charset="-52"/>
-            </a:endParaRPr>
+              <a:t> Не нужно тратить ресурсы на разработку одного и того же модуля.</a:t>
+            </a:r>
+          </a:p>
+          <a:p>
+            <a:pPr marL="342900" indent="-342900">
+              <a:lnSpc>
+                <a:spcPct val="200000"/>
+              </a:lnSpc>
+              <a:buAutoNum type="arabicPeriod"/>
+            </a:pPr>
+            <a:r>
+              <a:rPr lang="ru-RU" sz="2800" dirty="0">
+                <a:latin typeface="Montserrat" panose="00000500000000000000" pitchFamily="2" charset="-52"/>
+              </a:rPr>
+              <a:t> </a:t>
+            </a:r>
+            <a:r>
+              <a:rPr lang="ru-RU" sz="2800" dirty="0" err="1">
+                <a:latin typeface="Montserrat" panose="00000500000000000000" pitchFamily="2" charset="-52"/>
+              </a:rPr>
+              <a:t>Независсимость</a:t>
+            </a:r>
+            <a:r>
+              <a:rPr lang="ru-RU" sz="2800" dirty="0">
+                <a:latin typeface="Montserrat" panose="00000500000000000000" pitchFamily="2" charset="-52"/>
+              </a:rPr>
+              <a:t>.</a:t>
+            </a:r>
+          </a:p>
+          <a:p>
+            <a:pPr marL="342900" indent="-342900">
+              <a:lnSpc>
+                <a:spcPct val="200000"/>
+              </a:lnSpc>
+              <a:buAutoNum type="arabicPeriod"/>
+            </a:pPr>
+            <a:r>
+              <a:rPr lang="ru-RU" sz="2800" dirty="0">
+                <a:latin typeface="Montserrat" panose="00000500000000000000" pitchFamily="2" charset="-52"/>
+              </a:rPr>
+              <a:t> Доработка не требует полной остановки работы сайта.</a:t>
+            </a:r>
           </a:p>
         </p:txBody>
       </p:sp>
     </p:spTree>
     <p:extLst>
       <p:ext uri="{BB962C8B-B14F-4D97-AF65-F5344CB8AC3E}">
-        <p14:creationId xmlns:p14="http://schemas.microsoft.com/office/powerpoint/2010/main" val="1924498546"/>
+        <p14:creationId xmlns:p14="http://schemas.microsoft.com/office/powerpoint/2010/main" val="868745500"/>
       </p:ext>
     </p:extLst>
   </p:cSld>
   <p:clrMapOvr>
     <a:masterClrMapping/>
   </p:clrMapOvr>
+  <p:timing>
+    <p:tnLst>
+      <p:par>
+        <p:cTn id="1" dur="indefinite" restart="never" nodeType="tmRoot">
+          <p:childTnLst>
+            <p:seq concurrent="1" nextAc="seek">
+              <p:cTn id="2" dur="indefinite" nodeType="mainSeq">
+                <p:childTnLst>
+                  <p:par>
+                    <p:cTn id="3" fill="hold">
+                      <p:stCondLst>
+                        <p:cond delay="indefinite"/>
+                        <p:cond evt="onBegin" delay="0">
+                          <p:tn val="2"/>
+                        </p:cond>
+                      </p:stCondLst>
+                      <p:childTnLst>
+                        <p:par>
+                          <p:cTn id="4" fill="hold">
+                            <p:stCondLst>
+                              <p:cond delay="0"/>
+                            </p:stCondLst>
+                            <p:childTnLst>
+                              <p:par>
+                                <p:cTn id="5" presetID="10" presetClass="entr" presetSubtype="0" fill="hold" grpId="0" nodeType="afterEffect">
+                                  <p:stCondLst>
+                                    <p:cond delay="0"/>
+                                  </p:stCondLst>
+                                  <p:childTnLst>
+                                    <p:set>
+                                      <p:cBhvr>
+                                        <p:cTn id="6" dur="1" fill="hold">
+                                          <p:stCondLst>
+                                            <p:cond delay="0"/>
+                                          </p:stCondLst>
+                                        </p:cTn>
+                                        <p:tgtEl>
+                                          <p:spTgt spid="6"/>
+                                        </p:tgtEl>
+                                        <p:attrNameLst>
+                                          <p:attrName>style.visibility</p:attrName>
+                                        </p:attrNameLst>
+                                      </p:cBhvr>
+                                      <p:to>
+                                        <p:strVal val="visible"/>
+                                      </p:to>
+                                    </p:set>
+                                    <p:animEffect transition="in" filter="fade">
+                                      <p:cBhvr>
+                                        <p:cTn id="7" dur="1000"/>
+                                        <p:tgtEl>
+                                          <p:spTgt spid="6"/>
+                                        </p:tgtEl>
+                                      </p:cBhvr>
+                                    </p:animEffect>
+                                  </p:childTnLst>
+                                </p:cTn>
+                              </p:par>
+                            </p:childTnLst>
+                          </p:cTn>
+                        </p:par>
+                      </p:childTnLst>
+                    </p:cTn>
+                  </p:par>
+                </p:childTnLst>
+              </p:cTn>
+              <p:prevCondLst>
+                <p:cond evt="onPrev" delay="0">
+                  <p:tgtEl>
+                    <p:sldTgt/>
+                  </p:tgtEl>
+                </p:cond>
+              </p:prevCondLst>
+              <p:nextCondLst>
+                <p:cond evt="onNext" delay="0">
+                  <p:tgtEl>
+                    <p:sldTgt/>
+                  </p:tgtEl>
+                </p:cond>
+              </p:nextCondLst>
+            </p:seq>
+          </p:childTnLst>
+        </p:cTn>
+      </p:par>
+    </p:tnLst>
+    <p:bldLst>
+      <p:bldP spid="6" grpId="0"/>
+    </p:bldLst>
+  </p:timing>
 </p:sld>
 </file>
 
@@ -9974,42 +9176,237 @@
           <a:chExt cx="0" cy="0"/>
         </a:xfrm>
       </p:grpSpPr>
-      <p:pic>
-        <p:nvPicPr>
-          <p:cNvPr id="2" name="Рисунок 1">
-            <a:extLst>
-              <a:ext uri="{FF2B5EF4-FFF2-40B4-BE49-F238E27FC236}">
-                <a16:creationId xmlns:a16="http://schemas.microsoft.com/office/drawing/2014/main" id="{2F501D1C-EBCE-4767-BEDA-DC33FA9C3C3D}"/>
-              </a:ext>
-            </a:extLst>
-          </p:cNvPr>
-          <p:cNvPicPr>
-            <a:picLocks noChangeAspect="1"/>
-          </p:cNvPicPr>
+      <p:sp>
+        <p:nvSpPr>
+          <p:cNvPr id="2" name="Прямоугольник 1">
+            <a:extLst>
+              <a:ext uri="{FF2B5EF4-FFF2-40B4-BE49-F238E27FC236}">
+                <a16:creationId xmlns:a16="http://schemas.microsoft.com/office/drawing/2014/main" id="{B7BC2FF6-50BB-42B7-A1D7-283840AEDEC8}"/>
+              </a:ext>
+            </a:extLst>
+          </p:cNvPr>
+          <p:cNvSpPr/>
           <p:nvPr/>
-        </p:nvPicPr>
-        <p:blipFill>
-          <a:blip r:embed="rId2"/>
-          <a:stretch>
-            <a:fillRect/>
-          </a:stretch>
-        </p:blipFill>
+        </p:nvSpPr>
         <p:spPr>
           <a:xfrm>
-            <a:off x="0" y="768350"/>
-            <a:ext cx="12192000" cy="6089650"/>
+            <a:off x="226503" y="192947"/>
+            <a:ext cx="11482897" cy="1200329"/>
           </a:xfrm>
           <a:prstGeom prst="rect">
             <a:avLst/>
           </a:prstGeom>
         </p:spPr>
-      </p:pic>
-      <p:sp>
-        <p:nvSpPr>
-          <p:cNvPr id="3" name="Прямоугольник 2">
-            <a:extLst>
-              <a:ext uri="{FF2B5EF4-FFF2-40B4-BE49-F238E27FC236}">
-                <a16:creationId xmlns:a16="http://schemas.microsoft.com/office/drawing/2014/main" id="{3F7ED126-08AE-45AF-8FD3-419880F338CD}"/>
+        <p:txBody>
+          <a:bodyPr wrap="square">
+            <a:spAutoFit/>
+          </a:bodyPr>
+          <a:lstStyle/>
+          <a:p>
+            <a:r>
+              <a:rPr lang="ru-RU" sz="3600" b="1" dirty="0">
+                <a:solidFill>
+                  <a:srgbClr val="007B8D"/>
+                </a:solidFill>
+                <a:latin typeface="Montserrat" panose="00000500000000000000" pitchFamily="2" charset="-52"/>
+              </a:rPr>
+              <a:t>Над проектом работала команда </a:t>
+            </a:r>
+            <a:r>
+              <a:rPr lang="en-US" sz="3600" b="1" dirty="0">
+                <a:solidFill>
+                  <a:srgbClr val="007B8D"/>
+                </a:solidFill>
+                <a:latin typeface="Montserrat" panose="00000500000000000000" pitchFamily="2" charset="-52"/>
+              </a:rPr>
+              <a:t>HYDRA </a:t>
+            </a:r>
+            <a:r>
+              <a:rPr lang="ru-RU" sz="3600" b="1" dirty="0">
+                <a:solidFill>
+                  <a:srgbClr val="007B8D"/>
+                </a:solidFill>
+                <a:latin typeface="Montserrat" panose="00000500000000000000" pitchFamily="2" charset="-52"/>
+              </a:rPr>
+              <a:t>в составе:</a:t>
+            </a:r>
+          </a:p>
+        </p:txBody>
+      </p:sp>
+      <p:sp>
+        <p:nvSpPr>
+          <p:cNvPr id="3" name="TextBox 2">
+            <a:extLst>
+              <a:ext uri="{FF2B5EF4-FFF2-40B4-BE49-F238E27FC236}">
+                <a16:creationId xmlns:a16="http://schemas.microsoft.com/office/drawing/2014/main" id="{845261C8-2C16-4586-BA50-A45994F4AB3C}"/>
+              </a:ext>
+            </a:extLst>
+          </p:cNvPr>
+          <p:cNvSpPr txBox="1"/>
+          <p:nvPr/>
+        </p:nvSpPr>
+        <p:spPr>
+          <a:xfrm>
+            <a:off x="791030" y="1908673"/>
+            <a:ext cx="10609942" cy="2604816"/>
+          </a:xfrm>
+          <a:prstGeom prst="rect">
+            <a:avLst/>
+          </a:prstGeom>
+          <a:noFill/>
+        </p:spPr>
+        <p:txBody>
+          <a:bodyPr wrap="square" rtlCol="0">
+            <a:spAutoFit/>
+          </a:bodyPr>
+          <a:lstStyle/>
+          <a:p>
+            <a:pPr>
+              <a:lnSpc>
+                <a:spcPct val="150000"/>
+              </a:lnSpc>
+            </a:pPr>
+            <a:r>
+              <a:rPr lang="ru-RU" sz="2800" dirty="0">
+                <a:latin typeface="Montserrat" panose="00000500000000000000" pitchFamily="2" charset="-52"/>
+              </a:rPr>
+              <a:t>Лейкин Григорий // </a:t>
+            </a:r>
+            <a:r>
+              <a:rPr lang="en-US" sz="2800" dirty="0" err="1">
+                <a:latin typeface="Montserrat" panose="00000500000000000000" pitchFamily="2" charset="-52"/>
+              </a:rPr>
+              <a:t>reOil</a:t>
+            </a:r>
+            <a:r>
+              <a:rPr lang="ru-RU" sz="2800" dirty="0">
+                <a:latin typeface="Montserrat" panose="00000500000000000000" pitchFamily="2" charset="-52"/>
+              </a:rPr>
+              <a:t> // </a:t>
+            </a:r>
+            <a:r>
+              <a:rPr lang="en-US" sz="2800" dirty="0" err="1">
+                <a:latin typeface="Montserrat" panose="00000500000000000000" pitchFamily="2" charset="-52"/>
+              </a:rPr>
+              <a:t>user.dont.allow.phone.num</a:t>
+            </a:r>
+            <a:endParaRPr lang="en-US" sz="2800" dirty="0">
+              <a:latin typeface="Montserrat" panose="00000500000000000000" pitchFamily="2" charset="-52"/>
+            </a:endParaRPr>
+          </a:p>
+          <a:p>
+            <a:pPr>
+              <a:lnSpc>
+                <a:spcPct val="150000"/>
+              </a:lnSpc>
+            </a:pPr>
+            <a:r>
+              <a:rPr lang="ru-RU" sz="2800" dirty="0">
+                <a:latin typeface="Montserrat" panose="00000500000000000000" pitchFamily="2" charset="-52"/>
+              </a:rPr>
+              <a:t>Коньков Артем // </a:t>
+            </a:r>
+            <a:r>
+              <a:rPr lang="en-US" sz="2800" dirty="0" err="1">
+                <a:latin typeface="Montserrat" panose="00000500000000000000" pitchFamily="2" charset="-52"/>
+              </a:rPr>
+              <a:t>vapersan</a:t>
+            </a:r>
+            <a:r>
+              <a:rPr lang="ru-RU" sz="2800" dirty="0">
+                <a:latin typeface="Montserrat" panose="00000500000000000000" pitchFamily="2" charset="-52"/>
+              </a:rPr>
+              <a:t> //</a:t>
+            </a:r>
+            <a:r>
+              <a:rPr lang="en-US" sz="2800" dirty="0">
+                <a:latin typeface="Montserrat" panose="00000500000000000000" pitchFamily="2" charset="-52"/>
+              </a:rPr>
+              <a:t> 89685443099</a:t>
+            </a:r>
+          </a:p>
+          <a:p>
+            <a:pPr>
+              <a:lnSpc>
+                <a:spcPct val="150000"/>
+              </a:lnSpc>
+            </a:pPr>
+            <a:r>
+              <a:rPr lang="ru-RU" sz="2800" dirty="0">
+                <a:latin typeface="Montserrat" panose="00000500000000000000" pitchFamily="2" charset="-52"/>
+              </a:rPr>
+              <a:t>Котляров Олег // </a:t>
+            </a:r>
+            <a:r>
+              <a:rPr lang="en-US" sz="2800" dirty="0" err="1">
+                <a:latin typeface="Montserrat" panose="00000500000000000000" pitchFamily="2" charset="-52"/>
+              </a:rPr>
+              <a:t>luvvnet</a:t>
+            </a:r>
+            <a:r>
+              <a:rPr lang="ru-RU" sz="2800" dirty="0">
+                <a:latin typeface="Montserrat" panose="00000500000000000000" pitchFamily="2" charset="-52"/>
+              </a:rPr>
+              <a:t> // </a:t>
+            </a:r>
+            <a:r>
+              <a:rPr lang="en-US" sz="2800" dirty="0" err="1">
+                <a:latin typeface="Montserrat" panose="00000500000000000000" pitchFamily="2" charset="-52"/>
+              </a:rPr>
+              <a:t>user.dont.allow.phone.num</a:t>
+            </a:r>
+            <a:endParaRPr lang="en-US" sz="2800" dirty="0">
+              <a:latin typeface="Montserrat" panose="00000500000000000000" pitchFamily="2" charset="-52"/>
+            </a:endParaRPr>
+          </a:p>
+          <a:p>
+            <a:pPr>
+              <a:lnSpc>
+                <a:spcPct val="150000"/>
+              </a:lnSpc>
+            </a:pPr>
+            <a:r>
+              <a:rPr lang="ru-RU" sz="2800" dirty="0">
+                <a:latin typeface="Montserrat" panose="00000500000000000000" pitchFamily="2" charset="-52"/>
+              </a:rPr>
+              <a:t>Плахов Игорь // </a:t>
+            </a:r>
+            <a:r>
+              <a:rPr lang="en-US" sz="2800" dirty="0" err="1">
+                <a:latin typeface="Montserrat" panose="00000500000000000000" pitchFamily="2" charset="-52"/>
+              </a:rPr>
+              <a:t>AdisAlagic</a:t>
+            </a:r>
+            <a:r>
+              <a:rPr lang="ru-RU" sz="2800" dirty="0">
+                <a:latin typeface="Montserrat" panose="00000500000000000000" pitchFamily="2" charset="-52"/>
+              </a:rPr>
+              <a:t> //</a:t>
+            </a:r>
+            <a:r>
+              <a:rPr lang="en-US" sz="2800" dirty="0">
+                <a:latin typeface="Montserrat" panose="00000500000000000000" pitchFamily="2" charset="-52"/>
+              </a:rPr>
+              <a:t> </a:t>
+            </a:r>
+            <a:r>
+              <a:rPr lang="en-US" sz="2800" dirty="0" err="1">
+                <a:latin typeface="Montserrat" panose="00000500000000000000" pitchFamily="2" charset="-52"/>
+              </a:rPr>
+              <a:t>user.dont.allow.phone.num</a:t>
+            </a:r>
+            <a:endParaRPr lang="ru-RU" sz="2800" dirty="0">
+              <a:latin typeface="Montserrat" panose="00000500000000000000" pitchFamily="2" charset="-52"/>
+            </a:endParaRPr>
+          </a:p>
+        </p:txBody>
+      </p:sp>
+      <p:sp>
+        <p:nvSpPr>
+          <p:cNvPr id="5" name="Прямоугольник 4">
+            <a:extLst>
+              <a:ext uri="{FF2B5EF4-FFF2-40B4-BE49-F238E27FC236}">
+                <a16:creationId xmlns:a16="http://schemas.microsoft.com/office/drawing/2014/main" id="{9E7DBECB-379C-43F2-AE38-5761957A6A51}"/>
               </a:ext>
             </a:extLst>
           </p:cNvPr>
@@ -10018,15 +9415,15 @@
         </p:nvSpPr>
         <p:spPr>
           <a:xfrm>
-            <a:off x="226503" y="192947"/>
-            <a:ext cx="7245894" cy="523220"/>
+            <a:off x="791030" y="5028887"/>
+            <a:ext cx="10609941" cy="1384995"/>
           </a:xfrm>
           <a:prstGeom prst="rect">
             <a:avLst/>
           </a:prstGeom>
         </p:spPr>
         <p:txBody>
-          <a:bodyPr wrap="none">
+          <a:bodyPr wrap="square">
             <a:spAutoFit/>
           </a:bodyPr>
           <a:lstStyle/>
@@ -10038,7 +9435,7 @@
                 </a:solidFill>
                 <a:latin typeface="Montserrat" panose="00000500000000000000" pitchFamily="2" charset="-52"/>
               </a:rPr>
-              <a:t>Форма добавления нового сервиса</a:t>
+              <a:t>Все участники команды являются студентами 3 курса Колледжа Приборостроения и Информационных Технологий при РТУ МИРЭА</a:t>
             </a:r>
           </a:p>
         </p:txBody>
@@ -10046,13 +9443,102 @@
     </p:spTree>
     <p:extLst>
       <p:ext uri="{BB962C8B-B14F-4D97-AF65-F5344CB8AC3E}">
-        <p14:creationId xmlns:p14="http://schemas.microsoft.com/office/powerpoint/2010/main" val="2183667396"/>
+        <p14:creationId xmlns:p14="http://schemas.microsoft.com/office/powerpoint/2010/main" val="3359763066"/>
       </p:ext>
     </p:extLst>
   </p:cSld>
   <p:clrMapOvr>
     <a:masterClrMapping/>
   </p:clrMapOvr>
+  <p:timing>
+    <p:tnLst>
+      <p:par>
+        <p:cTn id="1" dur="indefinite" restart="never" nodeType="tmRoot">
+          <p:childTnLst>
+            <p:seq concurrent="1" nextAc="seek">
+              <p:cTn id="2" dur="indefinite" nodeType="mainSeq">
+                <p:childTnLst>
+                  <p:par>
+                    <p:cTn id="3" fill="hold">
+                      <p:stCondLst>
+                        <p:cond delay="indefinite"/>
+                        <p:cond evt="onBegin" delay="0">
+                          <p:tn val="2"/>
+                        </p:cond>
+                      </p:stCondLst>
+                      <p:childTnLst>
+                        <p:par>
+                          <p:cTn id="4" fill="hold">
+                            <p:stCondLst>
+                              <p:cond delay="0"/>
+                            </p:stCondLst>
+                            <p:childTnLst>
+                              <p:par>
+                                <p:cTn id="5" presetID="10" presetClass="entr" presetSubtype="0" fill="hold" grpId="0" nodeType="afterEffect">
+                                  <p:stCondLst>
+                                    <p:cond delay="0"/>
+                                  </p:stCondLst>
+                                  <p:childTnLst>
+                                    <p:set>
+                                      <p:cBhvr>
+                                        <p:cTn id="6" dur="1" fill="hold">
+                                          <p:stCondLst>
+                                            <p:cond delay="0"/>
+                                          </p:stCondLst>
+                                        </p:cTn>
+                                        <p:tgtEl>
+                                          <p:spTgt spid="3"/>
+                                        </p:tgtEl>
+                                        <p:attrNameLst>
+                                          <p:attrName>style.visibility</p:attrName>
+                                        </p:attrNameLst>
+                                      </p:cBhvr>
+                                      <p:to>
+                                        <p:strVal val="visible"/>
+                                      </p:to>
+                                    </p:set>
+                                    <p:animEffect transition="in" filter="fade">
+                                      <p:cBhvr>
+                                        <p:cTn id="7" dur="1000"/>
+                                        <p:tgtEl>
+                                          <p:spTgt spid="3"/>
+                                        </p:tgtEl>
+                                      </p:cBhvr>
+                                    </p:animEffect>
+                                  </p:childTnLst>
+                                </p:cTn>
+                              </p:par>
+                            </p:childTnLst>
+                          </p:cTn>
+                        </p:par>
+                      </p:childTnLst>
+                    </p:cTn>
+                  </p:par>
+                </p:childTnLst>
+              </p:cTn>
+              <p:prevCondLst>
+                <p:cond evt="onPrev" delay="0">
+                  <p:tgtEl>
+                    <p:sldTgt/>
+                  </p:tgtEl>
+                </p:cond>
+              </p:prevCondLst>
+              <p:nextCondLst>
+                <p:cond evt="onNext" delay="0">
+                  <p:tgtEl>
+                    <p:sldTgt/>
+                  </p:tgtEl>
+                </p:cond>
+              </p:nextCondLst>
+            </p:seq>
+          </p:childTnLst>
+        </p:cTn>
+      </p:par>
+    </p:tnLst>
+    <p:bldLst>
+      <p:bldP spid="3" grpId="0"/>
+    </p:bldLst>
+  </p:timing>
 </p:sld>
 </file>
 

--- a/prezentation/HSM.pptx
+++ b/prezentation/HSM.pptx
@@ -12,8 +12,10 @@
     <p:sldId id="261" r:id="rId6"/>
     <p:sldId id="269" r:id="rId7"/>
     <p:sldId id="281" r:id="rId8"/>
-    <p:sldId id="271" r:id="rId9"/>
-    <p:sldId id="279" r:id="rId10"/>
+    <p:sldId id="284" r:id="rId9"/>
+    <p:sldId id="283" r:id="rId10"/>
+    <p:sldId id="271" r:id="rId11"/>
+    <p:sldId id="279" r:id="rId12"/>
   </p:sldIdLst>
   <p:sldSz cx="12192000" cy="6858000"/>
   <p:notesSz cx="6858000" cy="9144000"/>
@@ -3523,6 +3525,630 @@
     </p:tnLst>
     <p:bldLst>
       <p:bldP spid="5" grpId="0"/>
+    </p:bldLst>
+  </p:timing>
+</p:sld>
+</file>
+
+<file path=ppt/slides/slide10.xml><?xml version="1.0" encoding="utf-8"?>
+<p:sld xmlns:a="http://schemas.openxmlformats.org/drawingml/2006/main" xmlns:r="http://schemas.openxmlformats.org/officeDocument/2006/relationships" xmlns:p="http://schemas.openxmlformats.org/presentationml/2006/main">
+  <p:cSld>
+    <p:spTree>
+      <p:nvGrpSpPr>
+        <p:cNvPr id="1" name=""/>
+        <p:cNvGrpSpPr/>
+        <p:nvPr/>
+      </p:nvGrpSpPr>
+      <p:grpSpPr>
+        <a:xfrm>
+          <a:off x="0" y="0"/>
+          <a:ext cx="0" cy="0"/>
+          <a:chOff x="0" y="0"/>
+          <a:chExt cx="0" cy="0"/>
+        </a:xfrm>
+      </p:grpSpPr>
+      <p:sp>
+        <p:nvSpPr>
+          <p:cNvPr id="5" name="Прямоугольник 4">
+            <a:extLst>
+              <a:ext uri="{FF2B5EF4-FFF2-40B4-BE49-F238E27FC236}">
+                <a16:creationId xmlns:a16="http://schemas.microsoft.com/office/drawing/2014/main" id="{85C50EFA-6068-4DD2-80D6-52BD2432776D}"/>
+              </a:ext>
+            </a:extLst>
+          </p:cNvPr>
+          <p:cNvSpPr/>
+          <p:nvPr/>
+        </p:nvSpPr>
+        <p:spPr>
+          <a:xfrm>
+            <a:off x="226503" y="192947"/>
+            <a:ext cx="9264075" cy="646331"/>
+          </a:xfrm>
+          <a:prstGeom prst="rect">
+            <a:avLst/>
+          </a:prstGeom>
+        </p:spPr>
+        <p:txBody>
+          <a:bodyPr wrap="none">
+            <a:spAutoFit/>
+          </a:bodyPr>
+          <a:lstStyle/>
+          <a:p>
+            <a:r>
+              <a:rPr lang="ru-RU" sz="3600" b="1" dirty="0">
+                <a:solidFill>
+                  <a:srgbClr val="007B8D"/>
+                </a:solidFill>
+                <a:latin typeface="Montserrat" panose="00000500000000000000" pitchFamily="2" charset="-52"/>
+              </a:rPr>
+              <a:t>Как HSM экономит время и деньги?</a:t>
+            </a:r>
+          </a:p>
+        </p:txBody>
+      </p:sp>
+      <p:sp>
+        <p:nvSpPr>
+          <p:cNvPr id="6" name="TextBox 5">
+            <a:extLst>
+              <a:ext uri="{FF2B5EF4-FFF2-40B4-BE49-F238E27FC236}">
+                <a16:creationId xmlns:a16="http://schemas.microsoft.com/office/drawing/2014/main" id="{001DA07C-9EBE-44D9-8330-A980E380668E}"/>
+              </a:ext>
+            </a:extLst>
+          </p:cNvPr>
+          <p:cNvSpPr txBox="1"/>
+          <p:nvPr/>
+        </p:nvSpPr>
+        <p:spPr>
+          <a:xfrm>
+            <a:off x="791029" y="1291748"/>
+            <a:ext cx="10609942" cy="4274503"/>
+          </a:xfrm>
+          <a:prstGeom prst="rect">
+            <a:avLst/>
+          </a:prstGeom>
+          <a:noFill/>
+        </p:spPr>
+        <p:txBody>
+          <a:bodyPr wrap="square" rtlCol="0">
+            <a:spAutoFit/>
+          </a:bodyPr>
+          <a:lstStyle/>
+          <a:p>
+            <a:pPr marL="342900" indent="-342900">
+              <a:lnSpc>
+                <a:spcPct val="200000"/>
+              </a:lnSpc>
+              <a:buAutoNum type="arabicPeriod"/>
+            </a:pPr>
+            <a:r>
+              <a:rPr lang="ru-RU" sz="2800" dirty="0">
+                <a:latin typeface="Montserrat" panose="00000500000000000000" pitchFamily="2" charset="-52"/>
+              </a:rPr>
+              <a:t> Не нужно тратить ресурсы на разработку одного и того же модуля.</a:t>
+            </a:r>
+          </a:p>
+          <a:p>
+            <a:pPr marL="342900" indent="-342900">
+              <a:lnSpc>
+                <a:spcPct val="200000"/>
+              </a:lnSpc>
+              <a:buAutoNum type="arabicPeriod"/>
+            </a:pPr>
+            <a:r>
+              <a:rPr lang="ru-RU" sz="2800" dirty="0">
+                <a:latin typeface="Montserrat" panose="00000500000000000000" pitchFamily="2" charset="-52"/>
+              </a:rPr>
+              <a:t> </a:t>
+            </a:r>
+            <a:r>
+              <a:rPr lang="ru-RU" sz="2800" dirty="0" err="1">
+                <a:latin typeface="Montserrat" panose="00000500000000000000" pitchFamily="2" charset="-52"/>
+              </a:rPr>
+              <a:t>Независсимость</a:t>
+            </a:r>
+            <a:r>
+              <a:rPr lang="ru-RU" sz="2800" dirty="0">
+                <a:latin typeface="Montserrat" panose="00000500000000000000" pitchFamily="2" charset="-52"/>
+              </a:rPr>
+              <a:t>.</a:t>
+            </a:r>
+          </a:p>
+          <a:p>
+            <a:pPr marL="342900" indent="-342900">
+              <a:lnSpc>
+                <a:spcPct val="200000"/>
+              </a:lnSpc>
+              <a:buAutoNum type="arabicPeriod"/>
+            </a:pPr>
+            <a:r>
+              <a:rPr lang="ru-RU" sz="2800" dirty="0">
+                <a:latin typeface="Montserrat" panose="00000500000000000000" pitchFamily="2" charset="-52"/>
+              </a:rPr>
+              <a:t> Доработка не требует полной остановки работы сайта.</a:t>
+            </a:r>
+          </a:p>
+        </p:txBody>
+      </p:sp>
+    </p:spTree>
+    <p:extLst>
+      <p:ext uri="{BB962C8B-B14F-4D97-AF65-F5344CB8AC3E}">
+        <p14:creationId xmlns:p14="http://schemas.microsoft.com/office/powerpoint/2010/main" val="868745500"/>
+      </p:ext>
+    </p:extLst>
+  </p:cSld>
+  <p:clrMapOvr>
+    <a:masterClrMapping/>
+  </p:clrMapOvr>
+  <p:timing>
+    <p:tnLst>
+      <p:par>
+        <p:cTn id="1" dur="indefinite" restart="never" nodeType="tmRoot">
+          <p:childTnLst>
+            <p:seq concurrent="1" nextAc="seek">
+              <p:cTn id="2" dur="indefinite" nodeType="mainSeq">
+                <p:childTnLst>
+                  <p:par>
+                    <p:cTn id="3" fill="hold">
+                      <p:stCondLst>
+                        <p:cond delay="indefinite"/>
+                        <p:cond evt="onBegin" delay="0">
+                          <p:tn val="2"/>
+                        </p:cond>
+                      </p:stCondLst>
+                      <p:childTnLst>
+                        <p:par>
+                          <p:cTn id="4" fill="hold">
+                            <p:stCondLst>
+                              <p:cond delay="0"/>
+                            </p:stCondLst>
+                            <p:childTnLst>
+                              <p:par>
+                                <p:cTn id="5" presetID="10" presetClass="entr" presetSubtype="0" fill="hold" grpId="0" nodeType="afterEffect">
+                                  <p:stCondLst>
+                                    <p:cond delay="0"/>
+                                  </p:stCondLst>
+                                  <p:childTnLst>
+                                    <p:set>
+                                      <p:cBhvr>
+                                        <p:cTn id="6" dur="1" fill="hold">
+                                          <p:stCondLst>
+                                            <p:cond delay="0"/>
+                                          </p:stCondLst>
+                                        </p:cTn>
+                                        <p:tgtEl>
+                                          <p:spTgt spid="6"/>
+                                        </p:tgtEl>
+                                        <p:attrNameLst>
+                                          <p:attrName>style.visibility</p:attrName>
+                                        </p:attrNameLst>
+                                      </p:cBhvr>
+                                      <p:to>
+                                        <p:strVal val="visible"/>
+                                      </p:to>
+                                    </p:set>
+                                    <p:animEffect transition="in" filter="fade">
+                                      <p:cBhvr>
+                                        <p:cTn id="7" dur="1000"/>
+                                        <p:tgtEl>
+                                          <p:spTgt spid="6"/>
+                                        </p:tgtEl>
+                                      </p:cBhvr>
+                                    </p:animEffect>
+                                  </p:childTnLst>
+                                </p:cTn>
+                              </p:par>
+                            </p:childTnLst>
+                          </p:cTn>
+                        </p:par>
+                      </p:childTnLst>
+                    </p:cTn>
+                  </p:par>
+                </p:childTnLst>
+              </p:cTn>
+              <p:prevCondLst>
+                <p:cond evt="onPrev" delay="0">
+                  <p:tgtEl>
+                    <p:sldTgt/>
+                  </p:tgtEl>
+                </p:cond>
+              </p:prevCondLst>
+              <p:nextCondLst>
+                <p:cond evt="onNext" delay="0">
+                  <p:tgtEl>
+                    <p:sldTgt/>
+                  </p:tgtEl>
+                </p:cond>
+              </p:nextCondLst>
+            </p:seq>
+          </p:childTnLst>
+        </p:cTn>
+      </p:par>
+    </p:tnLst>
+    <p:bldLst>
+      <p:bldP spid="6" grpId="0"/>
+    </p:bldLst>
+  </p:timing>
+</p:sld>
+</file>
+
+<file path=ppt/slides/slide11.xml><?xml version="1.0" encoding="utf-8"?>
+<p:sld xmlns:a="http://schemas.openxmlformats.org/drawingml/2006/main" xmlns:r="http://schemas.openxmlformats.org/officeDocument/2006/relationships" xmlns:p="http://schemas.openxmlformats.org/presentationml/2006/main">
+  <p:cSld>
+    <p:spTree>
+      <p:nvGrpSpPr>
+        <p:cNvPr id="1" name=""/>
+        <p:cNvGrpSpPr/>
+        <p:nvPr/>
+      </p:nvGrpSpPr>
+      <p:grpSpPr>
+        <a:xfrm>
+          <a:off x="0" y="0"/>
+          <a:ext cx="0" cy="0"/>
+          <a:chOff x="0" y="0"/>
+          <a:chExt cx="0" cy="0"/>
+        </a:xfrm>
+      </p:grpSpPr>
+      <p:sp>
+        <p:nvSpPr>
+          <p:cNvPr id="2" name="Прямоугольник 1">
+            <a:extLst>
+              <a:ext uri="{FF2B5EF4-FFF2-40B4-BE49-F238E27FC236}">
+                <a16:creationId xmlns:a16="http://schemas.microsoft.com/office/drawing/2014/main" id="{B7BC2FF6-50BB-42B7-A1D7-283840AEDEC8}"/>
+              </a:ext>
+            </a:extLst>
+          </p:cNvPr>
+          <p:cNvSpPr/>
+          <p:nvPr/>
+        </p:nvSpPr>
+        <p:spPr>
+          <a:xfrm>
+            <a:off x="226503" y="192947"/>
+            <a:ext cx="11482897" cy="1200329"/>
+          </a:xfrm>
+          <a:prstGeom prst="rect">
+            <a:avLst/>
+          </a:prstGeom>
+        </p:spPr>
+        <p:txBody>
+          <a:bodyPr wrap="square">
+            <a:spAutoFit/>
+          </a:bodyPr>
+          <a:lstStyle/>
+          <a:p>
+            <a:r>
+              <a:rPr lang="ru-RU" sz="3600" b="1" dirty="0">
+                <a:solidFill>
+                  <a:srgbClr val="007B8D"/>
+                </a:solidFill>
+                <a:latin typeface="Montserrat" panose="00000500000000000000" pitchFamily="2" charset="-52"/>
+              </a:rPr>
+              <a:t>Над проектом работала команда </a:t>
+            </a:r>
+            <a:r>
+              <a:rPr lang="en-US" sz="3600" b="1" dirty="0">
+                <a:solidFill>
+                  <a:srgbClr val="007B8D"/>
+                </a:solidFill>
+                <a:latin typeface="Montserrat" panose="00000500000000000000" pitchFamily="2" charset="-52"/>
+              </a:rPr>
+              <a:t>HYDRA </a:t>
+            </a:r>
+            <a:r>
+              <a:rPr lang="ru-RU" sz="3600" b="1" dirty="0">
+                <a:solidFill>
+                  <a:srgbClr val="007B8D"/>
+                </a:solidFill>
+                <a:latin typeface="Montserrat" panose="00000500000000000000" pitchFamily="2" charset="-52"/>
+              </a:rPr>
+              <a:t>в составе:</a:t>
+            </a:r>
+          </a:p>
+        </p:txBody>
+      </p:sp>
+      <p:sp>
+        <p:nvSpPr>
+          <p:cNvPr id="3" name="TextBox 2">
+            <a:extLst>
+              <a:ext uri="{FF2B5EF4-FFF2-40B4-BE49-F238E27FC236}">
+                <a16:creationId xmlns:a16="http://schemas.microsoft.com/office/drawing/2014/main" id="{845261C8-2C16-4586-BA50-A45994F4AB3C}"/>
+              </a:ext>
+            </a:extLst>
+          </p:cNvPr>
+          <p:cNvSpPr txBox="1"/>
+          <p:nvPr/>
+        </p:nvSpPr>
+        <p:spPr>
+          <a:xfrm>
+            <a:off x="791030" y="1908673"/>
+            <a:ext cx="10609942" cy="2604816"/>
+          </a:xfrm>
+          <a:prstGeom prst="rect">
+            <a:avLst/>
+          </a:prstGeom>
+          <a:noFill/>
+        </p:spPr>
+        <p:txBody>
+          <a:bodyPr wrap="square" rtlCol="0">
+            <a:spAutoFit/>
+          </a:bodyPr>
+          <a:lstStyle/>
+          <a:p>
+            <a:pPr>
+              <a:lnSpc>
+                <a:spcPct val="150000"/>
+              </a:lnSpc>
+            </a:pPr>
+            <a:r>
+              <a:rPr lang="ru-RU" sz="2800" dirty="0">
+                <a:latin typeface="Montserrat" panose="00000500000000000000" pitchFamily="2" charset="-52"/>
+              </a:rPr>
+              <a:t>Лейкин Григорий // </a:t>
+            </a:r>
+            <a:r>
+              <a:rPr lang="en-US" sz="2800" dirty="0" err="1">
+                <a:latin typeface="Montserrat" panose="00000500000000000000" pitchFamily="2" charset="-52"/>
+              </a:rPr>
+              <a:t>reOil</a:t>
+            </a:r>
+            <a:r>
+              <a:rPr lang="ru-RU" sz="2800" dirty="0">
+                <a:latin typeface="Montserrat" panose="00000500000000000000" pitchFamily="2" charset="-52"/>
+              </a:rPr>
+              <a:t> // </a:t>
+            </a:r>
+            <a:r>
+              <a:rPr lang="en-US" sz="2800" dirty="0" err="1">
+                <a:latin typeface="Montserrat" panose="00000500000000000000" pitchFamily="2" charset="-52"/>
+              </a:rPr>
+              <a:t>user.dont.allow.phone.num</a:t>
+            </a:r>
+            <a:endParaRPr lang="en-US" sz="2800" dirty="0">
+              <a:latin typeface="Montserrat" panose="00000500000000000000" pitchFamily="2" charset="-52"/>
+            </a:endParaRPr>
+          </a:p>
+          <a:p>
+            <a:pPr>
+              <a:lnSpc>
+                <a:spcPct val="150000"/>
+              </a:lnSpc>
+            </a:pPr>
+            <a:r>
+              <a:rPr lang="ru-RU" sz="2800" dirty="0">
+                <a:latin typeface="Montserrat" panose="00000500000000000000" pitchFamily="2" charset="-52"/>
+              </a:rPr>
+              <a:t>Коньков Артем // </a:t>
+            </a:r>
+            <a:r>
+              <a:rPr lang="en-US" sz="2800" dirty="0" err="1">
+                <a:latin typeface="Montserrat" panose="00000500000000000000" pitchFamily="2" charset="-52"/>
+              </a:rPr>
+              <a:t>vapersan</a:t>
+            </a:r>
+            <a:r>
+              <a:rPr lang="ru-RU" sz="2800" dirty="0">
+                <a:latin typeface="Montserrat" panose="00000500000000000000" pitchFamily="2" charset="-52"/>
+              </a:rPr>
+              <a:t> //</a:t>
+            </a:r>
+            <a:r>
+              <a:rPr lang="en-US" sz="2800" dirty="0">
+                <a:latin typeface="Montserrat" panose="00000500000000000000" pitchFamily="2" charset="-52"/>
+              </a:rPr>
+              <a:t> 89685443099</a:t>
+            </a:r>
+          </a:p>
+          <a:p>
+            <a:pPr>
+              <a:lnSpc>
+                <a:spcPct val="150000"/>
+              </a:lnSpc>
+            </a:pPr>
+            <a:r>
+              <a:rPr lang="ru-RU" sz="2800" dirty="0">
+                <a:latin typeface="Montserrat" panose="00000500000000000000" pitchFamily="2" charset="-52"/>
+              </a:rPr>
+              <a:t>Котляров Олег // </a:t>
+            </a:r>
+            <a:r>
+              <a:rPr lang="en-US" sz="2800" dirty="0" err="1">
+                <a:latin typeface="Montserrat" panose="00000500000000000000" pitchFamily="2" charset="-52"/>
+              </a:rPr>
+              <a:t>luvvnet</a:t>
+            </a:r>
+            <a:r>
+              <a:rPr lang="ru-RU" sz="2800" dirty="0">
+                <a:latin typeface="Montserrat" panose="00000500000000000000" pitchFamily="2" charset="-52"/>
+              </a:rPr>
+              <a:t> // </a:t>
+            </a:r>
+            <a:r>
+              <a:rPr lang="en-US" sz="2800" dirty="0" err="1">
+                <a:latin typeface="Montserrat" panose="00000500000000000000" pitchFamily="2" charset="-52"/>
+              </a:rPr>
+              <a:t>user.dont.allow.phone.num</a:t>
+            </a:r>
+            <a:endParaRPr lang="en-US" sz="2800" dirty="0">
+              <a:latin typeface="Montserrat" panose="00000500000000000000" pitchFamily="2" charset="-52"/>
+            </a:endParaRPr>
+          </a:p>
+          <a:p>
+            <a:pPr>
+              <a:lnSpc>
+                <a:spcPct val="150000"/>
+              </a:lnSpc>
+            </a:pPr>
+            <a:r>
+              <a:rPr lang="ru-RU" sz="2800" dirty="0">
+                <a:latin typeface="Montserrat" panose="00000500000000000000" pitchFamily="2" charset="-52"/>
+              </a:rPr>
+              <a:t>Плахов Игорь // </a:t>
+            </a:r>
+            <a:r>
+              <a:rPr lang="en-US" sz="2800" dirty="0" err="1">
+                <a:latin typeface="Montserrat" panose="00000500000000000000" pitchFamily="2" charset="-52"/>
+              </a:rPr>
+              <a:t>AdisAlagic</a:t>
+            </a:r>
+            <a:r>
+              <a:rPr lang="ru-RU" sz="2800" dirty="0">
+                <a:latin typeface="Montserrat" panose="00000500000000000000" pitchFamily="2" charset="-52"/>
+              </a:rPr>
+              <a:t> //</a:t>
+            </a:r>
+            <a:r>
+              <a:rPr lang="en-US" sz="2800" dirty="0">
+                <a:latin typeface="Montserrat" panose="00000500000000000000" pitchFamily="2" charset="-52"/>
+              </a:rPr>
+              <a:t> </a:t>
+            </a:r>
+            <a:r>
+              <a:rPr lang="en-US" sz="2800" dirty="0" err="1">
+                <a:latin typeface="Montserrat" panose="00000500000000000000" pitchFamily="2" charset="-52"/>
+              </a:rPr>
+              <a:t>user.dont.allow.phone.num</a:t>
+            </a:r>
+            <a:endParaRPr lang="ru-RU" sz="2800" dirty="0">
+              <a:latin typeface="Montserrat" panose="00000500000000000000" pitchFamily="2" charset="-52"/>
+            </a:endParaRPr>
+          </a:p>
+        </p:txBody>
+      </p:sp>
+      <p:sp>
+        <p:nvSpPr>
+          <p:cNvPr id="5" name="Прямоугольник 4">
+            <a:extLst>
+              <a:ext uri="{FF2B5EF4-FFF2-40B4-BE49-F238E27FC236}">
+                <a16:creationId xmlns:a16="http://schemas.microsoft.com/office/drawing/2014/main" id="{9E7DBECB-379C-43F2-AE38-5761957A6A51}"/>
+              </a:ext>
+            </a:extLst>
+          </p:cNvPr>
+          <p:cNvSpPr/>
+          <p:nvPr/>
+        </p:nvSpPr>
+        <p:spPr>
+          <a:xfrm>
+            <a:off x="791030" y="5028887"/>
+            <a:ext cx="10609941" cy="1384995"/>
+          </a:xfrm>
+          <a:prstGeom prst="rect">
+            <a:avLst/>
+          </a:prstGeom>
+        </p:spPr>
+        <p:txBody>
+          <a:bodyPr wrap="square">
+            <a:spAutoFit/>
+          </a:bodyPr>
+          <a:lstStyle/>
+          <a:p>
+            <a:r>
+              <a:rPr lang="ru-RU" sz="2800" b="1" dirty="0">
+                <a:solidFill>
+                  <a:srgbClr val="007B8D"/>
+                </a:solidFill>
+                <a:latin typeface="Montserrat" panose="00000500000000000000" pitchFamily="2" charset="-52"/>
+              </a:rPr>
+              <a:t>Все участники команды являются студентами 3 курса Колледжа Приборостроения и Информационных Технологий при РТУ МИРЭА</a:t>
+            </a:r>
+          </a:p>
+        </p:txBody>
+      </p:sp>
+    </p:spTree>
+    <p:extLst>
+      <p:ext uri="{BB962C8B-B14F-4D97-AF65-F5344CB8AC3E}">
+        <p14:creationId xmlns:p14="http://schemas.microsoft.com/office/powerpoint/2010/main" val="3359763066"/>
+      </p:ext>
+    </p:extLst>
+  </p:cSld>
+  <p:clrMapOvr>
+    <a:masterClrMapping/>
+  </p:clrMapOvr>
+  <p:timing>
+    <p:tnLst>
+      <p:par>
+        <p:cTn id="1" dur="indefinite" restart="never" nodeType="tmRoot">
+          <p:childTnLst>
+            <p:seq concurrent="1" nextAc="seek">
+              <p:cTn id="2" dur="indefinite" nodeType="mainSeq">
+                <p:childTnLst>
+                  <p:par>
+                    <p:cTn id="3" fill="hold">
+                      <p:stCondLst>
+                        <p:cond delay="indefinite"/>
+                        <p:cond evt="onBegin" delay="0">
+                          <p:tn val="2"/>
+                        </p:cond>
+                      </p:stCondLst>
+                      <p:childTnLst>
+                        <p:par>
+                          <p:cTn id="4" fill="hold">
+                            <p:stCondLst>
+                              <p:cond delay="0"/>
+                            </p:stCondLst>
+                            <p:childTnLst>
+                              <p:par>
+                                <p:cTn id="5" presetID="10" presetClass="entr" presetSubtype="0" fill="hold" grpId="0" nodeType="afterEffect">
+                                  <p:stCondLst>
+                                    <p:cond delay="0"/>
+                                  </p:stCondLst>
+                                  <p:childTnLst>
+                                    <p:set>
+                                      <p:cBhvr>
+                                        <p:cTn id="6" dur="1" fill="hold">
+                                          <p:stCondLst>
+                                            <p:cond delay="0"/>
+                                          </p:stCondLst>
+                                        </p:cTn>
+                                        <p:tgtEl>
+                                          <p:spTgt spid="3"/>
+                                        </p:tgtEl>
+                                        <p:attrNameLst>
+                                          <p:attrName>style.visibility</p:attrName>
+                                        </p:attrNameLst>
+                                      </p:cBhvr>
+                                      <p:to>
+                                        <p:strVal val="visible"/>
+                                      </p:to>
+                                    </p:set>
+                                    <p:animEffect transition="in" filter="fade">
+                                      <p:cBhvr>
+                                        <p:cTn id="7" dur="1000"/>
+                                        <p:tgtEl>
+                                          <p:spTgt spid="3"/>
+                                        </p:tgtEl>
+                                      </p:cBhvr>
+                                    </p:animEffect>
+                                  </p:childTnLst>
+                                </p:cTn>
+                              </p:par>
+                            </p:childTnLst>
+                          </p:cTn>
+                        </p:par>
+                      </p:childTnLst>
+                    </p:cTn>
+                  </p:par>
+                </p:childTnLst>
+              </p:cTn>
+              <p:prevCondLst>
+                <p:cond evt="onPrev" delay="0">
+                  <p:tgtEl>
+                    <p:sldTgt/>
+                  </p:tgtEl>
+                </p:cond>
+              </p:prevCondLst>
+              <p:nextCondLst>
+                <p:cond evt="onNext" delay="0">
+                  <p:tgtEl>
+                    <p:sldTgt/>
+                  </p:tgtEl>
+                </p:cond>
+              </p:nextCondLst>
+            </p:seq>
+          </p:childTnLst>
+        </p:cTn>
+      </p:par>
+    </p:tnLst>
+    <p:bldLst>
+      <p:bldP spid="3" grpId="0"/>
     </p:bldLst>
   </p:timing>
 </p:sld>
@@ -8937,10 +9563,10 @@
       </p:grpSpPr>
       <p:sp>
         <p:nvSpPr>
-          <p:cNvPr id="5" name="Прямоугольник 4">
-            <a:extLst>
-              <a:ext uri="{FF2B5EF4-FFF2-40B4-BE49-F238E27FC236}">
-                <a16:creationId xmlns:a16="http://schemas.microsoft.com/office/drawing/2014/main" id="{85C50EFA-6068-4DD2-80D6-52BD2432776D}"/>
+          <p:cNvPr id="2" name="Прямоугольник 1">
+            <a:extLst>
+              <a:ext uri="{FF2B5EF4-FFF2-40B4-BE49-F238E27FC236}">
+                <a16:creationId xmlns:a16="http://schemas.microsoft.com/office/drawing/2014/main" id="{28A88362-ACF8-4923-8FF9-E1936D1C3DFD}"/>
               </a:ext>
             </a:extLst>
           </p:cNvPr>
@@ -8950,7 +9576,7 @@
         <p:spPr>
           <a:xfrm>
             <a:off x="226503" y="192947"/>
-            <a:ext cx="9264075" cy="646331"/>
+            <a:ext cx="2900153" cy="523220"/>
           </a:xfrm>
           <a:prstGeom prst="rect">
             <a:avLst/>
@@ -8963,23 +9589,23 @@
           <a:lstStyle/>
           <a:p>
             <a:r>
-              <a:rPr lang="ru-RU" sz="3600" b="1" dirty="0">
+              <a:rPr lang="ru-RU" sz="2800" b="1" dirty="0">
                 <a:solidFill>
                   <a:srgbClr val="007B8D"/>
                 </a:solidFill>
                 <a:latin typeface="Montserrat" panose="00000500000000000000" pitchFamily="2" charset="-52"/>
               </a:rPr>
-              <a:t>Как HSM экономит время и деньги?</a:t>
-            </a:r>
-          </a:p>
-        </p:txBody>
-      </p:sp>
-      <p:sp>
-        <p:nvSpPr>
-          <p:cNvPr id="6" name="TextBox 5">
-            <a:extLst>
-              <a:ext uri="{FF2B5EF4-FFF2-40B4-BE49-F238E27FC236}">
-                <a16:creationId xmlns:a16="http://schemas.microsoft.com/office/drawing/2014/main" id="{001DA07C-9EBE-44D9-8330-A980E380668E}"/>
+              <a:t>Особенности</a:t>
+            </a:r>
+          </a:p>
+        </p:txBody>
+      </p:sp>
+      <p:sp>
+        <p:nvSpPr>
+          <p:cNvPr id="3" name="TextBox 2">
+            <a:extLst>
+              <a:ext uri="{FF2B5EF4-FFF2-40B4-BE49-F238E27FC236}">
+                <a16:creationId xmlns:a16="http://schemas.microsoft.com/office/drawing/2014/main" id="{D104C5BC-51F0-424C-A1A2-91F7C9CB5CE2}"/>
               </a:ext>
             </a:extLst>
           </p:cNvPr>
@@ -8988,8 +9614,8 @@
         </p:nvSpPr>
         <p:spPr>
           <a:xfrm>
-            <a:off x="791029" y="1291748"/>
-            <a:ext cx="10609942" cy="4274503"/>
+            <a:off x="2930386" y="244563"/>
+            <a:ext cx="8428308" cy="419987"/>
           </a:xfrm>
           <a:prstGeom prst="rect">
             <a:avLst/>
@@ -9002,65 +9628,150 @@
           </a:bodyPr>
           <a:lstStyle/>
           <a:p>
-            <a:pPr marL="342900" indent="-342900">
+            <a:pPr>
               <a:lnSpc>
-                <a:spcPct val="200000"/>
+                <a:spcPct val="150000"/>
               </a:lnSpc>
-              <a:buAutoNum type="arabicPeriod"/>
             </a:pPr>
             <a:r>
-              <a:rPr lang="ru-RU" sz="2800" dirty="0">
+              <a:rPr lang="ru-RU" sz="1600" dirty="0">
                 <a:latin typeface="Montserrat" panose="00000500000000000000" pitchFamily="2" charset="-52"/>
               </a:rPr>
-              <a:t> Не нужно тратить ресурсы на разработку одного и того же модуля.</a:t>
-            </a:r>
-          </a:p>
-          <a:p>
-            <a:pPr marL="342900" indent="-342900">
-              <a:lnSpc>
-                <a:spcPct val="200000"/>
-              </a:lnSpc>
-              <a:buAutoNum type="arabicPeriod"/>
-            </a:pPr>
-            <a:r>
-              <a:rPr lang="ru-RU" sz="2800" dirty="0">
+              <a:t>Перед</a:t>
+            </a:r>
+            <a:r>
+              <a:rPr lang="ru-RU" sz="1400" dirty="0">
                 <a:latin typeface="Montserrat" panose="00000500000000000000" pitchFamily="2" charset="-52"/>
               </a:rPr>
-              <a:t> </a:t>
-            </a:r>
-            <a:r>
-              <a:rPr lang="ru-RU" sz="2800" dirty="0" err="1">
+              <a:t> демонстрацией кода хотелось бы показать скриншоты из </a:t>
+            </a:r>
+            <a:r>
+              <a:rPr lang="en-US" sz="1400" dirty="0">
                 <a:latin typeface="Montserrat" panose="00000500000000000000" pitchFamily="2" charset="-52"/>
               </a:rPr>
-              <a:t>Независсимость</a:t>
-            </a:r>
-            <a:r>
-              <a:rPr lang="ru-RU" sz="2800" dirty="0">
+              <a:t>Android </a:t>
+            </a:r>
+            <a:r>
+              <a:rPr lang="ru-RU" sz="1400" dirty="0">
                 <a:latin typeface="Montserrat" panose="00000500000000000000" pitchFamily="2" charset="-52"/>
               </a:rPr>
-              <a:t>.</a:t>
-            </a:r>
-          </a:p>
-          <a:p>
-            <a:pPr marL="342900" indent="-342900">
-              <a:lnSpc>
-                <a:spcPct val="200000"/>
-              </a:lnSpc>
-              <a:buAutoNum type="arabicPeriod"/>
-            </a:pPr>
-            <a:r>
-              <a:rPr lang="ru-RU" sz="2800" dirty="0">
-                <a:latin typeface="Montserrat" panose="00000500000000000000" pitchFamily="2" charset="-52"/>
-              </a:rPr>
-              <a:t> Доработка не требует полной остановки работы сайта.</a:t>
-            </a:r>
-          </a:p>
-        </p:txBody>
-      </p:sp>
+              <a:t>приложения</a:t>
+            </a:r>
+          </a:p>
+        </p:txBody>
+      </p:sp>
+      <p:pic>
+        <p:nvPicPr>
+          <p:cNvPr id="5" name="Рисунок 4">
+            <a:extLst>
+              <a:ext uri="{FF2B5EF4-FFF2-40B4-BE49-F238E27FC236}">
+                <a16:creationId xmlns:a16="http://schemas.microsoft.com/office/drawing/2014/main" id="{4DC36CBE-DA49-491A-BC16-B5F6BF47E684}"/>
+              </a:ext>
+            </a:extLst>
+          </p:cNvPr>
+          <p:cNvPicPr>
+            <a:picLocks noChangeAspect="1"/>
+          </p:cNvPicPr>
+          <p:nvPr/>
+        </p:nvPicPr>
+        <p:blipFill>
+          <a:blip r:embed="rId2">
+            <a:extLst>
+              <a:ext uri="{28A0092B-C50C-407E-A947-70E740481C1C}">
+                <a14:useLocalDpi xmlns:a14="http://schemas.microsoft.com/office/drawing/2010/main" val="0"/>
+              </a:ext>
+            </a:extLst>
+          </a:blip>
+          <a:stretch>
+            <a:fillRect/>
+          </a:stretch>
+        </p:blipFill>
+        <p:spPr>
+          <a:xfrm>
+            <a:off x="4543782" y="902906"/>
+            <a:ext cx="2977547" cy="5955094"/>
+          </a:xfrm>
+          <a:prstGeom prst="rect">
+            <a:avLst/>
+          </a:prstGeom>
+        </p:spPr>
+      </p:pic>
+      <p:pic>
+        <p:nvPicPr>
+          <p:cNvPr id="7" name="Рисунок 6">
+            <a:extLst>
+              <a:ext uri="{FF2B5EF4-FFF2-40B4-BE49-F238E27FC236}">
+                <a16:creationId xmlns:a16="http://schemas.microsoft.com/office/drawing/2014/main" id="{037FC671-0BAF-4E2E-B6BD-D0D350BD9967}"/>
+              </a:ext>
+            </a:extLst>
+          </p:cNvPr>
+          <p:cNvPicPr>
+            <a:picLocks noChangeAspect="1"/>
+          </p:cNvPicPr>
+          <p:nvPr/>
+        </p:nvPicPr>
+        <p:blipFill>
+          <a:blip r:embed="rId3">
+            <a:extLst>
+              <a:ext uri="{28A0092B-C50C-407E-A947-70E740481C1C}">
+                <a14:useLocalDpi xmlns:a14="http://schemas.microsoft.com/office/drawing/2010/main" val="0"/>
+              </a:ext>
+            </a:extLst>
+          </a:blip>
+          <a:stretch>
+            <a:fillRect/>
+          </a:stretch>
+        </p:blipFill>
+        <p:spPr>
+          <a:xfrm>
+            <a:off x="1441613" y="902909"/>
+            <a:ext cx="2977546" cy="5955091"/>
+          </a:xfrm>
+          <a:prstGeom prst="rect">
+            <a:avLst/>
+          </a:prstGeom>
+        </p:spPr>
+      </p:pic>
+      <p:pic>
+        <p:nvPicPr>
+          <p:cNvPr id="9" name="Рисунок 8">
+            <a:extLst>
+              <a:ext uri="{FF2B5EF4-FFF2-40B4-BE49-F238E27FC236}">
+                <a16:creationId xmlns:a16="http://schemas.microsoft.com/office/drawing/2014/main" id="{6F62091A-A9A5-44E9-83BF-A2C64E808267}"/>
+              </a:ext>
+            </a:extLst>
+          </p:cNvPr>
+          <p:cNvPicPr>
+            <a:picLocks noChangeAspect="1"/>
+          </p:cNvPicPr>
+          <p:nvPr/>
+        </p:nvPicPr>
+        <p:blipFill>
+          <a:blip r:embed="rId4">
+            <a:extLst>
+              <a:ext uri="{28A0092B-C50C-407E-A947-70E740481C1C}">
+                <a14:useLocalDpi xmlns:a14="http://schemas.microsoft.com/office/drawing/2010/main" val="0"/>
+              </a:ext>
+            </a:extLst>
+          </a:blip>
+          <a:stretch>
+            <a:fillRect/>
+          </a:stretch>
+        </p:blipFill>
+        <p:spPr>
+          <a:xfrm>
+            <a:off x="7645951" y="902906"/>
+            <a:ext cx="2977547" cy="5955094"/>
+          </a:xfrm>
+          <a:prstGeom prst="rect">
+            <a:avLst/>
+          </a:prstGeom>
+        </p:spPr>
+      </p:pic>
     </p:spTree>
     <p:extLst>
       <p:ext uri="{BB962C8B-B14F-4D97-AF65-F5344CB8AC3E}">
-        <p14:creationId xmlns:p14="http://schemas.microsoft.com/office/powerpoint/2010/main" val="868745500"/>
+        <p14:creationId xmlns:p14="http://schemas.microsoft.com/office/powerpoint/2010/main" val="1000683493"/>
       </p:ext>
     </p:extLst>
   </p:cSld>
@@ -9091,7 +9802,7 @@
                             </p:stCondLst>
                             <p:childTnLst>
                               <p:par>
-                                <p:cTn id="5" presetID="10" presetClass="entr" presetSubtype="0" fill="hold" grpId="0" nodeType="afterEffect">
+                                <p:cTn id="5" presetID="10" presetClass="entr" presetSubtype="0" fill="hold" nodeType="afterEffect">
                                   <p:stCondLst>
                                     <p:cond delay="0"/>
                                   </p:stCondLst>
@@ -9104,7 +9815,7 @@
                                           </p:stCondLst>
                                         </p:cTn>
                                         <p:tgtEl>
-                                          <p:spTgt spid="6"/>
+                                          <p:spTgt spid="7"/>
                                         </p:tgtEl>
                                         <p:attrNameLst>
                                           <p:attrName>style.visibility</p:attrName>
@@ -9118,7 +9829,95 @@
                                       <p:cBhvr>
                                         <p:cTn id="7" dur="1000"/>
                                         <p:tgtEl>
-                                          <p:spTgt spid="6"/>
+                                          <p:spTgt spid="7"/>
+                                        </p:tgtEl>
+                                      </p:cBhvr>
+                                    </p:animEffect>
+                                  </p:childTnLst>
+                                </p:cTn>
+                              </p:par>
+                            </p:childTnLst>
+                          </p:cTn>
+                        </p:par>
+                        <p:par>
+                          <p:cTn id="8" fill="hold">
+                            <p:stCondLst>
+                              <p:cond delay="1000"/>
+                            </p:stCondLst>
+                            <p:childTnLst>
+                              <p:par>
+                                <p:cTn id="9" presetID="10" presetClass="entr" presetSubtype="0" fill="hold" nodeType="afterEffect">
+                                  <p:stCondLst>
+                                    <p:cond delay="0"/>
+                                  </p:stCondLst>
+                                  <p:childTnLst>
+                                    <p:set>
+                                      <p:cBhvr>
+                                        <p:cTn id="10" dur="1" fill="hold">
+                                          <p:stCondLst>
+                                            <p:cond delay="0"/>
+                                          </p:stCondLst>
+                                        </p:cTn>
+                                        <p:tgtEl>
+                                          <p:spTgt spid="5"/>
+                                        </p:tgtEl>
+                                        <p:attrNameLst>
+                                          <p:attrName>style.visibility</p:attrName>
+                                        </p:attrNameLst>
+                                      </p:cBhvr>
+                                      <p:to>
+                                        <p:strVal val="visible"/>
+                                      </p:to>
+                                    </p:set>
+                                    <p:animEffect transition="in" filter="fade">
+                                      <p:cBhvr>
+                                        <p:cTn id="11" dur="1000"/>
+                                        <p:tgtEl>
+                                          <p:spTgt spid="5"/>
+                                        </p:tgtEl>
+                                      </p:cBhvr>
+                                    </p:animEffect>
+                                  </p:childTnLst>
+                                </p:cTn>
+                              </p:par>
+                            </p:childTnLst>
+                          </p:cTn>
+                        </p:par>
+                        <p:par>
+                          <p:cTn id="12" fill="hold">
+                            <p:stCondLst>
+                              <p:cond delay="2000"/>
+                            </p:stCondLst>
+                            <p:childTnLst>
+                              <p:par>
+                                <p:cTn id="13" presetID="10" presetClass="entr" presetSubtype="0" fill="hold" nodeType="afterEffect">
+                                  <p:stCondLst>
+                                    <p:cond delay="0"/>
+                                  </p:stCondLst>
+                                  <p:childTnLst>
+                                    <p:set>
+                                      <p:cBhvr>
+                                        <p:cTn id="14" dur="1" fill="hold">
+                                          <p:stCondLst>
+                                            <p:cond delay="0"/>
+                                          </p:stCondLst>
+                                        </p:cTn>
+                                        <p:tgtEl>
+                                          <p:spTgt spid="9"/>
+                                        </p:tgtEl>
+                                        <p:attrNameLst>
+                                          <p:attrName>style.visibility</p:attrName>
+                                        </p:attrNameLst>
+                                      </p:cBhvr>
+                                      <p:to>
+                                        <p:strVal val="visible"/>
+                                      </p:to>
+                                    </p:set>
+                                    <p:animEffect transition="in" filter="fade">
+                                      <p:cBhvr>
+                                        <p:cTn id="15" dur="1000"/>
+                                        <p:tgtEl>
+                                          <p:spTgt spid="9"/>
                                         </p:tgtEl>
                                       </p:cBhvr>
                                     </p:animEffect>
@@ -9152,9 +9951,6 @@
         </p:cTn>
       </p:par>
     </p:tnLst>
-    <p:bldLst>
-      <p:bldP spid="6" grpId="0"/>
-    </p:bldLst>
   </p:timing>
 </p:sld>
 </file>
@@ -9178,77 +9974,20 @@
       </p:grpSpPr>
       <p:sp>
         <p:nvSpPr>
-          <p:cNvPr id="2" name="Прямоугольник 1">
-            <a:extLst>
-              <a:ext uri="{FF2B5EF4-FFF2-40B4-BE49-F238E27FC236}">
-                <a16:creationId xmlns:a16="http://schemas.microsoft.com/office/drawing/2014/main" id="{B7BC2FF6-50BB-42B7-A1D7-283840AEDEC8}"/>
-              </a:ext>
-            </a:extLst>
-          </p:cNvPr>
-          <p:cNvSpPr/>
+          <p:cNvPr id="2" name="TextBox 1">
+            <a:extLst>
+              <a:ext uri="{FF2B5EF4-FFF2-40B4-BE49-F238E27FC236}">
+                <a16:creationId xmlns:a16="http://schemas.microsoft.com/office/drawing/2014/main" id="{CC5237DD-DFCB-4557-AB59-FE90150EF79B}"/>
+              </a:ext>
+            </a:extLst>
+          </p:cNvPr>
+          <p:cNvSpPr txBox="1"/>
           <p:nvPr/>
         </p:nvSpPr>
         <p:spPr>
           <a:xfrm>
-            <a:off x="226503" y="192947"/>
-            <a:ext cx="11482897" cy="1200329"/>
-          </a:xfrm>
-          <a:prstGeom prst="rect">
-            <a:avLst/>
-          </a:prstGeom>
-        </p:spPr>
-        <p:txBody>
-          <a:bodyPr wrap="square">
-            <a:spAutoFit/>
-          </a:bodyPr>
-          <a:lstStyle/>
-          <a:p>
-            <a:r>
-              <a:rPr lang="ru-RU" sz="3600" b="1" dirty="0">
-                <a:solidFill>
-                  <a:srgbClr val="007B8D"/>
-                </a:solidFill>
-                <a:latin typeface="Montserrat" panose="00000500000000000000" pitchFamily="2" charset="-52"/>
-              </a:rPr>
-              <a:t>Над проектом работала команда </a:t>
-            </a:r>
-            <a:r>
-              <a:rPr lang="en-US" sz="3600" b="1" dirty="0">
-                <a:solidFill>
-                  <a:srgbClr val="007B8D"/>
-                </a:solidFill>
-                <a:latin typeface="Montserrat" panose="00000500000000000000" pitchFamily="2" charset="-52"/>
-              </a:rPr>
-              <a:t>HYDRA </a:t>
-            </a:r>
-            <a:r>
-              <a:rPr lang="ru-RU" sz="3600" b="1" dirty="0">
-                <a:solidFill>
-                  <a:srgbClr val="007B8D"/>
-                </a:solidFill>
-                <a:latin typeface="Montserrat" panose="00000500000000000000" pitchFamily="2" charset="-52"/>
-              </a:rPr>
-              <a:t>в составе:</a:t>
-            </a:r>
-          </a:p>
-        </p:txBody>
-      </p:sp>
-      <p:sp>
-        <p:nvSpPr>
-          <p:cNvPr id="3" name="TextBox 2">
-            <a:extLst>
-              <a:ext uri="{FF2B5EF4-FFF2-40B4-BE49-F238E27FC236}">
-                <a16:creationId xmlns:a16="http://schemas.microsoft.com/office/drawing/2014/main" id="{845261C8-2C16-4586-BA50-A45994F4AB3C}"/>
-              </a:ext>
-            </a:extLst>
-          </p:cNvPr>
-          <p:cNvSpPr txBox="1"/>
-          <p:nvPr/>
-        </p:nvSpPr>
-        <p:spPr>
-          <a:xfrm>
-            <a:off x="791030" y="1908673"/>
-            <a:ext cx="10609942" cy="2604816"/>
+            <a:off x="2062684" y="1444704"/>
+            <a:ext cx="8066632" cy="1015663"/>
           </a:xfrm>
           <a:prstGeom prst="rect">
             <a:avLst/>
@@ -9256,186 +9995,67 @@
           <a:noFill/>
         </p:spPr>
         <p:txBody>
-          <a:bodyPr wrap="square" rtlCol="0">
+          <a:bodyPr wrap="none" rtlCol="0">
             <a:spAutoFit/>
           </a:bodyPr>
           <a:lstStyle/>
           <a:p>
-            <a:pPr>
-              <a:lnSpc>
-                <a:spcPct val="150000"/>
-              </a:lnSpc>
-            </a:pPr>
-            <a:r>
-              <a:rPr lang="ru-RU" sz="2800" dirty="0">
-                <a:latin typeface="Montserrat" panose="00000500000000000000" pitchFamily="2" charset="-52"/>
-              </a:rPr>
-              <a:t>Лейкин Григорий // </a:t>
-            </a:r>
-            <a:r>
-              <a:rPr lang="en-US" sz="2800" dirty="0" err="1">
-                <a:latin typeface="Montserrat" panose="00000500000000000000" pitchFamily="2" charset="-52"/>
-              </a:rPr>
-              <a:t>reOil</a:t>
-            </a:r>
-            <a:r>
-              <a:rPr lang="ru-RU" sz="2800" dirty="0">
-                <a:latin typeface="Montserrat" panose="00000500000000000000" pitchFamily="2" charset="-52"/>
-              </a:rPr>
-              <a:t> // </a:t>
-            </a:r>
-            <a:r>
-              <a:rPr lang="en-US" sz="2800" dirty="0" err="1">
-                <a:latin typeface="Montserrat" panose="00000500000000000000" pitchFamily="2" charset="-52"/>
-              </a:rPr>
-              <a:t>user.dont.allow.phone.num</a:t>
-            </a:r>
-            <a:endParaRPr lang="en-US" sz="2800" dirty="0">
-              <a:latin typeface="Montserrat" panose="00000500000000000000" pitchFamily="2" charset="-52"/>
-            </a:endParaRPr>
-          </a:p>
-          <a:p>
-            <a:pPr>
-              <a:lnSpc>
-                <a:spcPct val="150000"/>
-              </a:lnSpc>
-            </a:pPr>
-            <a:r>
-              <a:rPr lang="ru-RU" sz="2800" dirty="0">
-                <a:latin typeface="Montserrat" panose="00000500000000000000" pitchFamily="2" charset="-52"/>
-              </a:rPr>
-              <a:t>Коньков Артем // </a:t>
-            </a:r>
-            <a:r>
-              <a:rPr lang="en-US" sz="2800" dirty="0" err="1">
-                <a:latin typeface="Montserrat" panose="00000500000000000000" pitchFamily="2" charset="-52"/>
-              </a:rPr>
-              <a:t>vapersan</a:t>
-            </a:r>
-            <a:r>
-              <a:rPr lang="ru-RU" sz="2800" dirty="0">
-                <a:latin typeface="Montserrat" panose="00000500000000000000" pitchFamily="2" charset="-52"/>
-              </a:rPr>
-              <a:t> //</a:t>
-            </a:r>
-            <a:r>
-              <a:rPr lang="en-US" sz="2800" dirty="0">
-                <a:latin typeface="Montserrat" panose="00000500000000000000" pitchFamily="2" charset="-52"/>
-              </a:rPr>
-              <a:t> 89685443099</a:t>
-            </a:r>
-          </a:p>
-          <a:p>
-            <a:pPr>
-              <a:lnSpc>
-                <a:spcPct val="150000"/>
-              </a:lnSpc>
-            </a:pPr>
-            <a:r>
-              <a:rPr lang="ru-RU" sz="2800" dirty="0">
-                <a:latin typeface="Montserrat" panose="00000500000000000000" pitchFamily="2" charset="-52"/>
-              </a:rPr>
-              <a:t>Котляров Олег // </a:t>
-            </a:r>
-            <a:r>
-              <a:rPr lang="en-US" sz="2800" dirty="0" err="1">
-                <a:latin typeface="Montserrat" panose="00000500000000000000" pitchFamily="2" charset="-52"/>
-              </a:rPr>
-              <a:t>luvvnet</a:t>
-            </a:r>
-            <a:r>
-              <a:rPr lang="ru-RU" sz="2800" dirty="0">
-                <a:latin typeface="Montserrat" panose="00000500000000000000" pitchFamily="2" charset="-52"/>
-              </a:rPr>
-              <a:t> // </a:t>
-            </a:r>
-            <a:r>
-              <a:rPr lang="en-US" sz="2800" dirty="0" err="1">
-                <a:latin typeface="Montserrat" panose="00000500000000000000" pitchFamily="2" charset="-52"/>
-              </a:rPr>
-              <a:t>user.dont.allow.phone.num</a:t>
-            </a:r>
-            <a:endParaRPr lang="en-US" sz="2800" dirty="0">
-              <a:latin typeface="Montserrat" panose="00000500000000000000" pitchFamily="2" charset="-52"/>
-            </a:endParaRPr>
-          </a:p>
-          <a:p>
-            <a:pPr>
-              <a:lnSpc>
-                <a:spcPct val="150000"/>
-              </a:lnSpc>
-            </a:pPr>
-            <a:r>
-              <a:rPr lang="ru-RU" sz="2800" dirty="0">
-                <a:latin typeface="Montserrat" panose="00000500000000000000" pitchFamily="2" charset="-52"/>
-              </a:rPr>
-              <a:t>Плахов Игорь // </a:t>
-            </a:r>
-            <a:r>
-              <a:rPr lang="en-US" sz="2800" dirty="0" err="1">
-                <a:latin typeface="Montserrat" panose="00000500000000000000" pitchFamily="2" charset="-52"/>
-              </a:rPr>
-              <a:t>AdisAlagic</a:t>
-            </a:r>
-            <a:r>
-              <a:rPr lang="ru-RU" sz="2800" dirty="0">
-                <a:latin typeface="Montserrat" panose="00000500000000000000" pitchFamily="2" charset="-52"/>
-              </a:rPr>
-              <a:t> //</a:t>
-            </a:r>
-            <a:r>
-              <a:rPr lang="en-US" sz="2800" dirty="0">
-                <a:latin typeface="Montserrat" panose="00000500000000000000" pitchFamily="2" charset="-52"/>
-              </a:rPr>
-              <a:t> </a:t>
-            </a:r>
-            <a:r>
-              <a:rPr lang="en-US" sz="2800" dirty="0" err="1">
-                <a:latin typeface="Montserrat" panose="00000500000000000000" pitchFamily="2" charset="-52"/>
-              </a:rPr>
-              <a:t>user.dont.allow.phone.num</a:t>
-            </a:r>
-            <a:endParaRPr lang="ru-RU" sz="2800" dirty="0">
-              <a:latin typeface="Montserrat" panose="00000500000000000000" pitchFamily="2" charset="-52"/>
-            </a:endParaRPr>
-          </a:p>
-        </p:txBody>
-      </p:sp>
-      <p:sp>
-        <p:nvSpPr>
-          <p:cNvPr id="5" name="Прямоугольник 4">
-            <a:extLst>
-              <a:ext uri="{FF2B5EF4-FFF2-40B4-BE49-F238E27FC236}">
-                <a16:creationId xmlns:a16="http://schemas.microsoft.com/office/drawing/2014/main" id="{9E7DBECB-379C-43F2-AE38-5761957A6A51}"/>
-              </a:ext>
-            </a:extLst>
-          </p:cNvPr>
-          <p:cNvSpPr/>
-          <p:nvPr/>
-        </p:nvSpPr>
-        <p:spPr>
-          <a:xfrm>
-            <a:off x="791030" y="5028887"/>
-            <a:ext cx="10609941" cy="1384995"/>
-          </a:xfrm>
-          <a:prstGeom prst="rect">
-            <a:avLst/>
-          </a:prstGeom>
-        </p:spPr>
-        <p:txBody>
-          <a:bodyPr wrap="square">
-            <a:spAutoFit/>
-          </a:bodyPr>
-          <a:lstStyle/>
-          <a:p>
-            <a:r>
-              <a:rPr lang="ru-RU" sz="2800" b="1" dirty="0">
+            <a:r>
+              <a:rPr lang="en-US" sz="6000" b="1" dirty="0">
                 <a:solidFill>
                   <a:srgbClr val="007B8D"/>
                 </a:solidFill>
                 <a:latin typeface="Montserrat" panose="00000500000000000000" pitchFamily="2" charset="-52"/>
               </a:rPr>
-              <a:t>Все участники команды являются студентами 3 курса Колледжа Приборостроения и Информационных Технологий при РТУ МИРЭА</a:t>
+              <a:t>Hydra Search Micro</a:t>
+            </a:r>
+            <a:endParaRPr lang="ru-RU" sz="6000" b="1" dirty="0">
+              <a:solidFill>
+                <a:srgbClr val="007B8D"/>
+              </a:solidFill>
+              <a:latin typeface="Montserrat" panose="00000500000000000000" pitchFamily="2" charset="-52"/>
+            </a:endParaRPr>
+          </a:p>
+        </p:txBody>
+      </p:sp>
+      <p:sp>
+        <p:nvSpPr>
+          <p:cNvPr id="3" name="TextBox 2">
+            <a:extLst>
+              <a:ext uri="{FF2B5EF4-FFF2-40B4-BE49-F238E27FC236}">
+                <a16:creationId xmlns:a16="http://schemas.microsoft.com/office/drawing/2014/main" id="{284FB454-060E-4273-815A-8E559BA1466E}"/>
+              </a:ext>
+            </a:extLst>
+          </p:cNvPr>
+          <p:cNvSpPr txBox="1"/>
+          <p:nvPr/>
+        </p:nvSpPr>
+        <p:spPr>
+          <a:xfrm>
+            <a:off x="2745830" y="4397634"/>
+            <a:ext cx="6700340" cy="665823"/>
+          </a:xfrm>
+          <a:prstGeom prst="rect">
+            <a:avLst/>
+          </a:prstGeom>
+          <a:noFill/>
+        </p:spPr>
+        <p:txBody>
+          <a:bodyPr wrap="square" rtlCol="0">
+            <a:spAutoFit/>
+          </a:bodyPr>
+          <a:lstStyle/>
+          <a:p>
+            <a:pPr algn="ctr">
+              <a:lnSpc>
+                <a:spcPct val="150000"/>
+              </a:lnSpc>
+            </a:pPr>
+            <a:r>
+              <a:rPr lang="ru-RU" sz="2800" dirty="0">
+                <a:latin typeface="Montserrat" panose="00000500000000000000" pitchFamily="2" charset="-52"/>
+              </a:rPr>
+              <a:t>Демонстрация работы сайта</a:t>
             </a:r>
           </a:p>
         </p:txBody>
@@ -9443,7 +10063,7 @@
     </p:spTree>
     <p:extLst>
       <p:ext uri="{BB962C8B-B14F-4D97-AF65-F5344CB8AC3E}">
-        <p14:creationId xmlns:p14="http://schemas.microsoft.com/office/powerpoint/2010/main" val="3359763066"/>
+        <p14:creationId xmlns:p14="http://schemas.microsoft.com/office/powerpoint/2010/main" val="1823396742"/>
       </p:ext>
     </p:extLst>
   </p:cSld>
@@ -9474,7 +10094,7 @@
                             </p:stCondLst>
                             <p:childTnLst>
                               <p:par>
-                                <p:cTn id="5" presetID="10" presetClass="entr" presetSubtype="0" fill="hold" grpId="0" nodeType="afterEffect">
+                                <p:cTn id="5" presetID="10" presetClass="entr" presetSubtype="0" fill="hold" grpId="0" nodeType="withEffect">
                                   <p:stCondLst>
                                     <p:cond delay="0"/>
                                   </p:stCondLst>
@@ -9482,6 +10102,50 @@
                                     <p:set>
                                       <p:cBhvr>
                                         <p:cTn id="6" dur="1" fill="hold">
+                                          <p:stCondLst>
+                                            <p:cond delay="0"/>
+                                          </p:stCondLst>
+                                        </p:cTn>
+                                        <p:tgtEl>
+                                          <p:spTgt spid="2"/>
+                                        </p:tgtEl>
+                                        <p:attrNameLst>
+                                          <p:attrName>style.visibility</p:attrName>
+                                        </p:attrNameLst>
+                                      </p:cBhvr>
+                                      <p:to>
+                                        <p:strVal val="visible"/>
+                                      </p:to>
+                                    </p:set>
+                                    <p:animEffect transition="in" filter="fade">
+                                      <p:cBhvr>
+                                        <p:cTn id="7" dur="1250"/>
+                                        <p:tgtEl>
+                                          <p:spTgt spid="2"/>
+                                        </p:tgtEl>
+                                      </p:cBhvr>
+                                    </p:animEffect>
+                                  </p:childTnLst>
+                                </p:cTn>
+                              </p:par>
+                            </p:childTnLst>
+                          </p:cTn>
+                        </p:par>
+                        <p:par>
+                          <p:cTn id="8" fill="hold">
+                            <p:stCondLst>
+                              <p:cond delay="1250"/>
+                            </p:stCondLst>
+                            <p:childTnLst>
+                              <p:par>
+                                <p:cTn id="9" presetID="10" presetClass="entr" presetSubtype="0" fill="hold" grpId="0" nodeType="afterEffect">
+                                  <p:stCondLst>
+                                    <p:cond delay="0"/>
+                                  </p:stCondLst>
+                                  <p:childTnLst>
+                                    <p:set>
+                                      <p:cBhvr>
+                                        <p:cTn id="10" dur="1" fill="hold">
                                           <p:stCondLst>
                                             <p:cond delay="0"/>
                                           </p:stCondLst>
@@ -9499,7 +10163,7 @@
                                     </p:set>
                                     <p:animEffect transition="in" filter="fade">
                                       <p:cBhvr>
-                                        <p:cTn id="7" dur="1000"/>
+                                        <p:cTn id="11" dur="1000"/>
                                         <p:tgtEl>
                                           <p:spTgt spid="3"/>
                                         </p:tgtEl>
@@ -9536,6 +10200,7 @@
       </p:par>
     </p:tnLst>
     <p:bldLst>
+      <p:bldP spid="2" grpId="0"/>
       <p:bldP spid="3" grpId="0"/>
     </p:bldLst>
   </p:timing>

--- a/prezentation/HSM.pptx
+++ b/prezentation/HSM.pptx
@@ -4300,7 +4300,7 @@
               <a:rPr lang="ru-RU" sz="2800" dirty="0">
                 <a:latin typeface="Montserrat" panose="00000500000000000000" pitchFamily="2" charset="-52"/>
               </a:rPr>
-              <a:t> Наше решение для поиска и отслеживания </a:t>
+              <a:t> Наше решение для поиска и отслеживания и хранения </a:t>
             </a:r>
             <a:r>
               <a:rPr lang="ru-RU" sz="2800" dirty="0" err="1">
@@ -9294,7 +9294,7 @@
         </p:nvSpPr>
         <p:spPr>
           <a:xfrm>
-            <a:off x="833140" y="1157096"/>
+            <a:off x="833140" y="910529"/>
             <a:ext cx="10525720" cy="5200526"/>
           </a:xfrm>
           <a:prstGeom prst="rect">
@@ -9346,7 +9346,44 @@
               <a:rPr lang="ru-RU" sz="2400" dirty="0">
                 <a:latin typeface="Montserrat" panose="00000500000000000000" pitchFamily="2" charset="-52"/>
               </a:rPr>
-              <a:t>приложение (и неважно что мы не успели его доделать)</a:t>
+              <a:t>приложение</a:t>
+            </a:r>
+          </a:p>
+          <a:p>
+            <a:pPr marL="457200" indent="-457200">
+              <a:buFont typeface="Arial" panose="020B0604020202020204" pitchFamily="34" charset="0"/>
+              <a:buChar char="•"/>
+            </a:pPr>
+            <a:r>
+              <a:rPr lang="ru-RU" sz="2400" dirty="0">
+                <a:latin typeface="Montserrat" panose="00000500000000000000" pitchFamily="2" charset="-52"/>
+              </a:rPr>
+              <a:t>Самый точный поиск дубликатов</a:t>
+            </a:r>
+          </a:p>
+          <a:p>
+            <a:pPr>
+              <a:lnSpc>
+                <a:spcPct val="150000"/>
+              </a:lnSpc>
+            </a:pPr>
+            <a:r>
+              <a:rPr lang="ru-RU" sz="2400" dirty="0">
+                <a:latin typeface="Montserrat" panose="00000500000000000000" pitchFamily="2" charset="-52"/>
+              </a:rPr>
+              <a:t>     При попытке создать </a:t>
+            </a:r>
+            <a:r>
+              <a:rPr lang="ru-RU" sz="2400" dirty="0" err="1">
+                <a:latin typeface="Montserrat" panose="00000500000000000000" pitchFamily="2" charset="-52"/>
+              </a:rPr>
+              <a:t>микросервис</a:t>
+            </a:r>
+            <a:r>
+              <a:rPr lang="ru-RU" sz="2400" dirty="0">
+                <a:latin typeface="Montserrat" panose="00000500000000000000" pitchFamily="2" charset="-52"/>
+              </a:rPr>
+              <a:t> с описанием которое совпадает по словам с тем что уже было на сайте, выдаст предупреждение</a:t>
             </a:r>
           </a:p>
           <a:p>
@@ -9361,32 +9398,7 @@
               <a:rPr lang="ru-RU" sz="2400" dirty="0">
                 <a:latin typeface="Montserrat" panose="00000500000000000000" pitchFamily="2" charset="-52"/>
               </a:rPr>
-              <a:t>Самый точный поиск дубликатов</a:t>
-            </a:r>
-          </a:p>
-          <a:p>
-            <a:pPr>
-              <a:lnSpc>
-                <a:spcPct val="150000"/>
-              </a:lnSpc>
-            </a:pPr>
-            <a:r>
-              <a:rPr lang="ru-RU" sz="2400" dirty="0">
-                <a:latin typeface="Montserrat" panose="00000500000000000000" pitchFamily="2" charset="-52"/>
-              </a:rPr>
-              <a:t>     При попытке создать </a:t>
-            </a:r>
-            <a:r>
-              <a:rPr lang="ru-RU" sz="2400" dirty="0" err="1">
-                <a:latin typeface="Montserrat" panose="00000500000000000000" pitchFamily="2" charset="-52"/>
-              </a:rPr>
-              <a:t>микросервис</a:t>
-            </a:r>
-            <a:r>
-              <a:rPr lang="ru-RU" sz="2400" dirty="0">
-                <a:latin typeface="Montserrat" panose="00000500000000000000" pitchFamily="2" charset="-52"/>
-              </a:rPr>
-              <a:t> с описанием которое совпадает по словам с тем что уже было на сайте, выдаст предупреждение</a:t>
+              <a:t>Система тэгов</a:t>
             </a:r>
           </a:p>
           <a:p>
@@ -9398,10 +9410,16 @@
               <a:buChar char="•"/>
             </a:pPr>
             <a:r>
+              <a:rPr lang="en-US" sz="2400" dirty="0">
+                <a:latin typeface="Montserrat" panose="00000500000000000000" pitchFamily="2" charset="-52"/>
+              </a:rPr>
+              <a:t>User-Friendly </a:t>
+            </a:r>
+            <a:r>
               <a:rPr lang="ru-RU" sz="2400" dirty="0">
                 <a:latin typeface="Montserrat" panose="00000500000000000000" pitchFamily="2" charset="-52"/>
               </a:rPr>
-              <a:t>Система тэгов</a:t>
+              <a:t>интерфейс</a:t>
             </a:r>
           </a:p>
           <a:p>
@@ -9413,16 +9431,10 @@
               <a:buChar char="•"/>
             </a:pPr>
             <a:r>
-              <a:rPr lang="en-US" sz="2400" dirty="0">
-                <a:latin typeface="Montserrat" panose="00000500000000000000" pitchFamily="2" charset="-52"/>
-              </a:rPr>
-              <a:t>User-Friendly </a:t>
-            </a:r>
-            <a:r>
               <a:rPr lang="ru-RU" sz="2400" dirty="0">
                 <a:latin typeface="Montserrat" panose="00000500000000000000" pitchFamily="2" charset="-52"/>
               </a:rPr>
-              <a:t>интерфейс</a:t>
+              <a:t>Высокое быстродействие системы</a:t>
             </a:r>
           </a:p>
           <a:p>
@@ -9437,7 +9449,7 @@
               <a:rPr lang="ru-RU" sz="2400" dirty="0">
                 <a:latin typeface="Montserrat" panose="00000500000000000000" pitchFamily="2" charset="-52"/>
               </a:rPr>
-              <a:t>Высокое быстродействие системы</a:t>
+              <a:t>Адаптивность</a:t>
             </a:r>
           </a:p>
         </p:txBody>

--- a/prezentation/HSM.pptx
+++ b/prezentation/HSM.pptx
@@ -9295,7 +9295,7 @@
         <p:spPr>
           <a:xfrm>
             <a:off x="833140" y="910529"/>
-            <a:ext cx="10525720" cy="5200526"/>
+            <a:ext cx="10525720" cy="4461862"/>
           </a:xfrm>
           <a:prstGeom prst="rect">
             <a:avLst/>
@@ -9333,6 +9333,9 @@
           </a:p>
           <a:p>
             <a:pPr marL="457200" indent="-457200">
+              <a:lnSpc>
+                <a:spcPct val="150000"/>
+              </a:lnSpc>
               <a:buFont typeface="Arial" panose="020B0604020202020204" pitchFamily="34" charset="0"/>
               <a:buChar char="•"/>
             </a:pPr>
@@ -9351,6 +9354,9 @@
           </a:p>
           <a:p>
             <a:pPr marL="457200" indent="-457200">
+              <a:lnSpc>
+                <a:spcPct val="150000"/>
+              </a:lnSpc>
               <a:buFont typeface="Arial" panose="020B0604020202020204" pitchFamily="34" charset="0"/>
               <a:buChar char="•"/>
             </a:pPr>
@@ -9362,28 +9368,24 @@
             </a:r>
           </a:p>
           <a:p>
-            <a:pPr>
-              <a:lnSpc>
-                <a:spcPct val="150000"/>
-              </a:lnSpc>
-            </a:pPr>
-            <a:r>
-              <a:rPr lang="ru-RU" sz="2400" dirty="0">
+            <a:pPr lvl="1"/>
+            <a:r>
+              <a:rPr lang="ru-RU" dirty="0">
                 <a:latin typeface="Montserrat" panose="00000500000000000000" pitchFamily="2" charset="-52"/>
               </a:rPr>
-              <a:t>     При попытке создать </a:t>
-            </a:r>
-            <a:r>
-              <a:rPr lang="ru-RU" sz="2400" dirty="0" err="1">
+              <a:t>(при попытке создать </a:t>
+            </a:r>
+            <a:r>
+              <a:rPr lang="ru-RU" dirty="0" err="1">
                 <a:latin typeface="Montserrat" panose="00000500000000000000" pitchFamily="2" charset="-52"/>
               </a:rPr>
               <a:t>микросервис</a:t>
             </a:r>
             <a:r>
-              <a:rPr lang="ru-RU" sz="2400" dirty="0">
+              <a:rPr lang="ru-RU" dirty="0">
                 <a:latin typeface="Montserrat" panose="00000500000000000000" pitchFamily="2" charset="-52"/>
               </a:rPr>
-              <a:t> с описанием которое совпадает по словам с тем что уже было на сайте, выдаст предупреждение</a:t>
+              <a:t> с описанием которое совпадает по словам с тем что уже было на сайте, выдаст предупреждение)</a:t>
             </a:r>
           </a:p>
           <a:p>

--- a/prezentation/HSM.pptx
+++ b/prezentation/HSM.pptx
@@ -4300,16 +4300,16 @@
               <a:rPr lang="ru-RU" sz="2800" dirty="0">
                 <a:latin typeface="Montserrat" panose="00000500000000000000" pitchFamily="2" charset="-52"/>
               </a:rPr>
-              <a:t> Наше решение для поиска и отслеживания и хранения </a:t>
+              <a:t> Наше решение для поиска и отслеживания и хранения данных о </a:t>
             </a:r>
             <a:r>
               <a:rPr lang="ru-RU" sz="2800" dirty="0" err="1">
                 <a:latin typeface="Montserrat" panose="00000500000000000000" pitchFamily="2" charset="-52"/>
               </a:rPr>
-              <a:t>микросервисов</a:t>
-            </a:r>
-            <a:r>
-              <a:rPr lang="ru-RU" sz="2800" dirty="0">
+              <a:t>микросервисах</a:t>
+            </a:r>
+            <a:r>
+              <a:rPr lang="ru-RU" sz="2800">
                 <a:latin typeface="Montserrat" panose="00000500000000000000" pitchFamily="2" charset="-52"/>
               </a:rPr>
               <a:t>.</a:t>

--- a/prezentation/HSM.pptx
+++ b/prezentation/HSM.pptx
@@ -5119,6 +5119,53 @@
             <a:endParaRPr lang="ru-RU" sz="2000" dirty="0">
               <a:latin typeface="Montserrat" panose="00000500000000000000" pitchFamily="2" charset="-52"/>
             </a:endParaRPr>
+          </a:p>
+        </p:txBody>
+      </p:sp>
+      <p:sp>
+        <p:nvSpPr>
+          <p:cNvPr id="2" name="Прямоугольник 1">
+            <a:extLst>
+              <a:ext uri="{FF2B5EF4-FFF2-40B4-BE49-F238E27FC236}">
+                <a16:creationId xmlns:a16="http://schemas.microsoft.com/office/drawing/2014/main" id="{761D468A-C33B-45BB-B91C-8EE31079FC65}"/>
+              </a:ext>
+            </a:extLst>
+          </p:cNvPr>
+          <p:cNvSpPr/>
+          <p:nvPr/>
+        </p:nvSpPr>
+        <p:spPr>
+          <a:xfrm>
+            <a:off x="3313651" y="2625754"/>
+            <a:ext cx="5436066" cy="2365696"/>
+          </a:xfrm>
+          <a:prstGeom prst="rect">
+            <a:avLst/>
+          </a:prstGeom>
+          <a:noFill/>
+        </p:spPr>
+        <p:style>
+          <a:lnRef idx="2">
+            <a:schemeClr val="dk1">
+              <a:shade val="50000"/>
+            </a:schemeClr>
+          </a:lnRef>
+          <a:fillRef idx="1">
+            <a:schemeClr val="dk1"/>
+          </a:fillRef>
+          <a:effectRef idx="0">
+            <a:schemeClr val="dk1"/>
+          </a:effectRef>
+          <a:fontRef idx="minor">
+            <a:schemeClr val="lt1"/>
+          </a:fontRef>
+        </p:style>
+        <p:txBody>
+          <a:bodyPr rtlCol="0" anchor="ctr"/>
+          <a:lstStyle/>
+          <a:p>
+            <a:pPr algn="ctr"/>
+            <a:endParaRPr lang="ru-RU"/>
           </a:p>
         </p:txBody>
       </p:sp>
@@ -9018,7 +9065,7 @@
         <p:spPr>
           <a:xfrm>
             <a:off x="251364" y="1796181"/>
-            <a:ext cx="11689272" cy="3265638"/>
+            <a:ext cx="11689272" cy="4096634"/>
           </a:xfrm>
           <a:prstGeom prst="rect">
             <a:avLst/>
@@ -9042,13 +9089,25 @@
               <a:rPr lang="ru-RU" dirty="0">
                 <a:latin typeface="Montserrat" panose="00000500000000000000" pitchFamily="2" charset="-52"/>
               </a:rPr>
-              <a:t>Комплексное решение в организации микроархитектуры и </a:t>
+              <a:t>Комплексное решение в хранении информации о  </a:t>
             </a:r>
             <a:r>
               <a:rPr lang="ru-RU" dirty="0" err="1">
                 <a:latin typeface="Montserrat" panose="00000500000000000000" pitchFamily="2" charset="-52"/>
               </a:rPr>
-              <a:t>микросервисов</a:t>
+              <a:t>микросервисной</a:t>
+            </a:r>
+            <a:r>
+              <a:rPr lang="ru-RU" dirty="0">
+                <a:latin typeface="Montserrat" panose="00000500000000000000" pitchFamily="2" charset="-52"/>
+              </a:rPr>
+              <a:t> архитектуре и </a:t>
+            </a:r>
+            <a:r>
+              <a:rPr lang="ru-RU" dirty="0" err="1">
+                <a:latin typeface="Montserrat" panose="00000500000000000000" pitchFamily="2" charset="-52"/>
+              </a:rPr>
+              <a:t>микросервисах</a:t>
             </a:r>
             <a:r>
               <a:rPr lang="ru-RU" dirty="0">
@@ -9364,8 +9423,17 @@
               <a:rPr lang="ru-RU" sz="2400" dirty="0">
                 <a:latin typeface="Montserrat" panose="00000500000000000000" pitchFamily="2" charset="-52"/>
               </a:rPr>
-              <a:t>Самый точный поиск дубликатов</a:t>
-            </a:r>
+              <a:t>Поиск дубликатов используя расстояние </a:t>
+            </a:r>
+            <a:r>
+              <a:rPr lang="ru-RU" sz="2400" dirty="0" err="1">
+                <a:latin typeface="Montserrat" panose="00000500000000000000" pitchFamily="2" charset="-52"/>
+              </a:rPr>
+              <a:t>Ливенштейна</a:t>
+            </a:r>
+            <a:endParaRPr lang="ru-RU" sz="3200" dirty="0">
+              <a:latin typeface="Montserrat" panose="00000500000000000000" pitchFamily="2" charset="-52"/>
+            </a:endParaRPr>
           </a:p>
           <a:p>
             <a:pPr lvl="1"/>
@@ -9373,7 +9441,7 @@
               <a:rPr lang="ru-RU" dirty="0">
                 <a:latin typeface="Montserrat" panose="00000500000000000000" pitchFamily="2" charset="-52"/>
               </a:rPr>
-              <a:t>(при попытке создать </a:t>
+              <a:t>(не даст создать </a:t>
             </a:r>
             <a:r>
               <a:rPr lang="ru-RU" dirty="0" err="1">
@@ -9385,7 +9453,7 @@
               <a:rPr lang="ru-RU" dirty="0">
                 <a:latin typeface="Montserrat" panose="00000500000000000000" pitchFamily="2" charset="-52"/>
               </a:rPr>
-              <a:t> с описанием которое совпадает по словам с тем что уже было на сайте, выдаст предупреждение)</a:t>
+              <a:t> с описанием которое совпадает с тем что уже было на сайте)</a:t>
             </a:r>
           </a:p>
           <a:p>

--- a/prezentation/HSM.pptx
+++ b/prezentation/HSM.pptx
@@ -3600,8 +3600,8 @@
         </p:nvSpPr>
         <p:spPr>
           <a:xfrm>
-            <a:off x="791029" y="1291748"/>
-            <a:ext cx="10609942" cy="4274503"/>
+            <a:off x="791029" y="2685815"/>
+            <a:ext cx="10609942" cy="1486369"/>
           </a:xfrm>
           <a:prstGeom prst="rect">
             <a:avLst/>
@@ -3614,57 +3614,16 @@
           </a:bodyPr>
           <a:lstStyle/>
           <a:p>
-            <a:pPr marL="342900" indent="-342900">
+            <a:pPr algn="ctr">
               <a:lnSpc>
-                <a:spcPct val="200000"/>
+                <a:spcPct val="150000"/>
               </a:lnSpc>
-              <a:buAutoNum type="arabicPeriod"/>
             </a:pPr>
             <a:r>
-              <a:rPr lang="ru-RU" sz="2800" dirty="0">
+              <a:rPr lang="ru-RU" sz="3200" spc="300" dirty="0">
                 <a:latin typeface="Montserrat" panose="00000500000000000000" pitchFamily="2" charset="-52"/>
               </a:rPr>
-              <a:t> Не нужно тратить ресурсы на разработку одного и того же модуля.</a:t>
-            </a:r>
-          </a:p>
-          <a:p>
-            <a:pPr marL="342900" indent="-342900">
-              <a:lnSpc>
-                <a:spcPct val="200000"/>
-              </a:lnSpc>
-              <a:buAutoNum type="arabicPeriod"/>
-            </a:pPr>
-            <a:r>
-              <a:rPr lang="ru-RU" sz="2800" dirty="0">
-                <a:latin typeface="Montserrat" panose="00000500000000000000" pitchFamily="2" charset="-52"/>
-              </a:rPr>
-              <a:t> </a:t>
-            </a:r>
-            <a:r>
-              <a:rPr lang="ru-RU" sz="2800" dirty="0" err="1">
-                <a:latin typeface="Montserrat" panose="00000500000000000000" pitchFamily="2" charset="-52"/>
-              </a:rPr>
-              <a:t>Независсимость</a:t>
-            </a:r>
-            <a:r>
-              <a:rPr lang="ru-RU" sz="2800" dirty="0">
-                <a:latin typeface="Montserrat" panose="00000500000000000000" pitchFamily="2" charset="-52"/>
-              </a:rPr>
-              <a:t>.</a:t>
-            </a:r>
-          </a:p>
-          <a:p>
-            <a:pPr marL="342900" indent="-342900">
-              <a:lnSpc>
-                <a:spcPct val="200000"/>
-              </a:lnSpc>
-              <a:buAutoNum type="arabicPeriod"/>
-            </a:pPr>
-            <a:r>
-              <a:rPr lang="ru-RU" sz="2800" dirty="0">
-                <a:latin typeface="Montserrat" panose="00000500000000000000" pitchFamily="2" charset="-52"/>
-              </a:rPr>
-              <a:t> Доработка не требует полной остановки работы сайта.</a:t>
+              <a:t>Не нужно тратить ресурсы на разработку одного и того же модуля.</a:t>
             </a:r>
           </a:p>
         </p:txBody>
@@ -3882,29 +3841,32 @@
               <a:rPr lang="ru-RU" sz="2800" dirty="0">
                 <a:latin typeface="Montserrat" panose="00000500000000000000" pitchFamily="2" charset="-52"/>
               </a:rPr>
-              <a:t>Лейкин Григорий // </a:t>
+              <a:t>Коньков Артем // </a:t>
+            </a:r>
+            <a:r>
+              <a:rPr lang="en-US" sz="2800" dirty="0">
+                <a:latin typeface="Montserrat" panose="00000500000000000000" pitchFamily="2" charset="-52"/>
+              </a:rPr>
+              <a:t>@</a:t>
             </a:r>
             <a:r>
               <a:rPr lang="en-US" sz="2800" dirty="0" err="1">
                 <a:latin typeface="Montserrat" panose="00000500000000000000" pitchFamily="2" charset="-52"/>
               </a:rPr>
-              <a:t>reOil</a:t>
+              <a:t>vapersan</a:t>
             </a:r>
             <a:r>
               <a:rPr lang="ru-RU" sz="2800" dirty="0">
                 <a:latin typeface="Montserrat" panose="00000500000000000000" pitchFamily="2" charset="-52"/>
               </a:rPr>
-              <a:t> // </a:t>
-            </a:r>
-            <a:r>
-              <a:rPr lang="en-US" sz="2800" dirty="0" err="1">
+              <a:t> //</a:t>
+            </a:r>
+            <a:r>
+              <a:rPr lang="en-US" sz="2800" dirty="0">
                 <a:latin typeface="Montserrat" panose="00000500000000000000" pitchFamily="2" charset="-52"/>
               </a:rPr>
-              <a:t>user.dont.allow.phone.num</a:t>
-            </a:r>
-            <a:endParaRPr lang="en-US" sz="2800" dirty="0">
-              <a:latin typeface="Montserrat" panose="00000500000000000000" pitchFamily="2" charset="-52"/>
-            </a:endParaRPr>
+              <a:t> 89685443099</a:t>
+            </a:r>
           </a:p>
           <a:p>
             <a:pPr>
@@ -3916,13 +3878,19 @@
               <a:rPr lang="ru-RU" sz="2800" dirty="0">
                 <a:latin typeface="Montserrat" panose="00000500000000000000" pitchFamily="2" charset="-52"/>
               </a:rPr>
-              <a:t>Коньков Артем // </a:t>
+              <a:t>Лейкин Григорий // </a:t>
+            </a:r>
+            <a:r>
+              <a:rPr lang="en-US" sz="2800" dirty="0">
+                <a:latin typeface="Montserrat" panose="00000500000000000000" pitchFamily="2" charset="-52"/>
+              </a:rPr>
+              <a:t>@</a:t>
             </a:r>
             <a:r>
               <a:rPr lang="en-US" sz="2800" dirty="0" err="1">
                 <a:latin typeface="Montserrat" panose="00000500000000000000" pitchFamily="2" charset="-52"/>
               </a:rPr>
-              <a:t>vapersan</a:t>
+              <a:t>reOiL</a:t>
             </a:r>
             <a:r>
               <a:rPr lang="ru-RU" sz="2800" dirty="0">
@@ -3930,12 +3898,9 @@
               </a:rPr>
               <a:t> //</a:t>
             </a:r>
-            <a:r>
-              <a:rPr lang="en-US" sz="2800" dirty="0">
-                <a:latin typeface="Montserrat" panose="00000500000000000000" pitchFamily="2" charset="-52"/>
-              </a:rPr>
-              <a:t> 89685443099</a:t>
-            </a:r>
+            <a:endParaRPr lang="en-US" sz="2800" dirty="0">
+              <a:latin typeface="Montserrat" panose="00000500000000000000" pitchFamily="2" charset="-52"/>
+            </a:endParaRPr>
           </a:p>
           <a:p>
             <a:pPr>
@@ -3950,22 +3915,22 @@
               <a:t>Котляров Олег // </a:t>
             </a:r>
             <a:r>
+              <a:rPr lang="en-US" sz="2800" dirty="0">
+                <a:latin typeface="Montserrat" panose="00000500000000000000" pitchFamily="2" charset="-52"/>
+              </a:rPr>
+              <a:t>@</a:t>
+            </a:r>
+            <a:r>
               <a:rPr lang="en-US" sz="2800" dirty="0" err="1">
                 <a:latin typeface="Montserrat" panose="00000500000000000000" pitchFamily="2" charset="-52"/>
               </a:rPr>
-              <a:t>luvvnet</a:t>
+              <a:t>nvrtrstane</a:t>
             </a:r>
             <a:r>
               <a:rPr lang="ru-RU" sz="2800" dirty="0">
                 <a:latin typeface="Montserrat" panose="00000500000000000000" pitchFamily="2" charset="-52"/>
               </a:rPr>
-              <a:t> // </a:t>
-            </a:r>
-            <a:r>
-              <a:rPr lang="en-US" sz="2800" dirty="0" err="1">
-                <a:latin typeface="Montserrat" panose="00000500000000000000" pitchFamily="2" charset="-52"/>
-              </a:rPr>
-              <a:t>user.dont.allow.phone.num</a:t>
+              <a:t> //</a:t>
             </a:r>
             <a:endParaRPr lang="en-US" sz="2800" dirty="0">
               <a:latin typeface="Montserrat" panose="00000500000000000000" pitchFamily="2" charset="-52"/>
@@ -3984,6 +3949,12 @@
               <a:t>Плахов Игорь // </a:t>
             </a:r>
             <a:r>
+              <a:rPr lang="en-US" sz="2800" dirty="0">
+                <a:latin typeface="Montserrat" panose="00000500000000000000" pitchFamily="2" charset="-52"/>
+              </a:rPr>
+              <a:t>@</a:t>
+            </a:r>
+            <a:r>
               <a:rPr lang="en-US" sz="2800" dirty="0" err="1">
                 <a:latin typeface="Montserrat" panose="00000500000000000000" pitchFamily="2" charset="-52"/>
               </a:rPr>
@@ -3995,21 +3966,6 @@
               </a:rPr>
               <a:t> //</a:t>
             </a:r>
-            <a:r>
-              <a:rPr lang="en-US" sz="2800" dirty="0">
-                <a:latin typeface="Montserrat" panose="00000500000000000000" pitchFamily="2" charset="-52"/>
-              </a:rPr>
-              <a:t> </a:t>
-            </a:r>
-            <a:r>
-              <a:rPr lang="en-US" sz="2800" dirty="0" err="1">
-                <a:latin typeface="Montserrat" panose="00000500000000000000" pitchFamily="2" charset="-52"/>
-              </a:rPr>
-              <a:t>user.dont.allow.phone.num</a:t>
-            </a:r>
-            <a:endParaRPr lang="ru-RU" sz="2800" dirty="0">
-              <a:latin typeface="Montserrat" panose="00000500000000000000" pitchFamily="2" charset="-52"/>
-            </a:endParaRPr>
           </a:p>
         </p:txBody>
       </p:sp>
@@ -4225,7 +4181,7 @@
         <p:spPr>
           <a:xfrm>
             <a:off x="791029" y="1757260"/>
-            <a:ext cx="10609942" cy="3343479"/>
+            <a:ext cx="10609942" cy="3251146"/>
           </a:xfrm>
           <a:prstGeom prst="rect">
             <a:avLst/>
@@ -4300,7 +4256,7 @@
               <a:rPr lang="ru-RU" sz="2800" dirty="0">
                 <a:latin typeface="Montserrat" panose="00000500000000000000" pitchFamily="2" charset="-52"/>
               </a:rPr>
-              <a:t> Наше решение для поиска и отслеживания и хранения данных о </a:t>
+              <a:t> Наше решение для хранения информации о </a:t>
             </a:r>
             <a:r>
               <a:rPr lang="ru-RU" sz="2800" dirty="0" err="1">
@@ -4309,7 +4265,7 @@
               <a:t>микросервисах</a:t>
             </a:r>
             <a:r>
-              <a:rPr lang="ru-RU" sz="2800">
+              <a:rPr lang="ru-RU" sz="2800" dirty="0">
                 <a:latin typeface="Montserrat" panose="00000500000000000000" pitchFamily="2" charset="-52"/>
               </a:rPr>
               <a:t>.</a:t>
@@ -9065,7 +9021,7 @@
         <p:spPr>
           <a:xfrm>
             <a:off x="251364" y="1796181"/>
-            <a:ext cx="11689272" cy="4096634"/>
+            <a:ext cx="11689272" cy="3265638"/>
           </a:xfrm>
           <a:prstGeom prst="rect">
             <a:avLst/>
@@ -9089,19 +9045,7 @@
               <a:rPr lang="ru-RU" dirty="0">
                 <a:latin typeface="Montserrat" panose="00000500000000000000" pitchFamily="2" charset="-52"/>
               </a:rPr>
-              <a:t>Комплексное решение в хранении информации о  </a:t>
-            </a:r>
-            <a:r>
-              <a:rPr lang="ru-RU" dirty="0" err="1">
-                <a:latin typeface="Montserrat" panose="00000500000000000000" pitchFamily="2" charset="-52"/>
-              </a:rPr>
-              <a:t>микросервисной</a:t>
-            </a:r>
-            <a:r>
-              <a:rPr lang="ru-RU" dirty="0">
-                <a:latin typeface="Montserrat" panose="00000500000000000000" pitchFamily="2" charset="-52"/>
-              </a:rPr>
-              <a:t> архитектуре и </a:t>
+              <a:t>Комплексное решение в хранении и организации информации о  </a:t>
             </a:r>
             <a:r>
               <a:rPr lang="ru-RU" dirty="0" err="1">
@@ -9128,8 +9072,17 @@
               <a:rPr lang="ru-RU" dirty="0">
                 <a:latin typeface="Montserrat" panose="00000500000000000000" pitchFamily="2" charset="-52"/>
               </a:rPr>
-              <a:t>Сайт хранящий информацию о модулях готовых к интеграции в вашу среду</a:t>
-            </a:r>
+              <a:t>Сайт для визуализации информацию о </a:t>
+            </a:r>
+            <a:r>
+              <a:rPr lang="ru-RU" dirty="0" err="1">
+                <a:latin typeface="Montserrat" panose="00000500000000000000" pitchFamily="2" charset="-52"/>
+              </a:rPr>
+              <a:t>микросервисах</a:t>
+            </a:r>
+            <a:endParaRPr lang="ru-RU" dirty="0">
+              <a:latin typeface="Montserrat" panose="00000500000000000000" pitchFamily="2" charset="-52"/>
+            </a:endParaRPr>
           </a:p>
           <a:p>
             <a:pPr marL="285750" indent="-285750">
@@ -9143,7 +9096,7 @@
               <a:rPr lang="ru-RU" dirty="0">
                 <a:latin typeface="Montserrat" panose="00000500000000000000" pitchFamily="2" charset="-52"/>
               </a:rPr>
-              <a:t>Удобный способ следить за разработкой </a:t>
+              <a:t>Удобный способ следить за организацией </a:t>
             </a:r>
             <a:r>
               <a:rPr lang="ru-RU" dirty="0" err="1">
